--- a/Apresentação Sistema Gestão Stock.pptx
+++ b/Apresentação Sistema Gestão Stock.pptx
@@ -1,28 +1,28 @@
 
 <file path=ppt/presentation.xml><?xml version="1.0" encoding="utf-8"?>
-<p:presentation xmlns:a="http://schemas.openxmlformats.org/drawingml/2006/main" xmlns:r="http://schemas.openxmlformats.org/officeDocument/2006/relationships" xmlns:p="http://schemas.openxmlformats.org/presentationml/2006/main" xmlns:m="http://schemas.openxmlformats.org/officeDocument/2006/math" xmlns:w="http://schemas.openxmlformats.org/wordprocessingml/2006/main" saveSubsetFonts="1">
+<p:presentation xmlns:a="http://schemas.openxmlformats.org/drawingml/2006/main" xmlns:r="http://schemas.openxmlformats.org/officeDocument/2006/relationships" xmlns:p="http://schemas.openxmlformats.org/presentationml/2006/main" saveSubsetFonts="1">
   <p:sldMasterIdLst>
     <p:sldMasterId id="2147483648" r:id="rId1"/>
   </p:sldMasterIdLst>
   <p:notesMasterIdLst>
-    <p:notesMasterId r:id="rId19"/>
+    <p:notesMasterId r:id="rId17"/>
   </p:notesMasterIdLst>
   <p:sldIdLst>
-    <p:sldId id="256" r:id="rId4"/>
-    <p:sldId id="257" r:id="rId5"/>
-    <p:sldId id="258" r:id="rId6"/>
-    <p:sldId id="259" r:id="rId7"/>
-    <p:sldId id="260" r:id="rId8"/>
-    <p:sldId id="261" r:id="rId9"/>
-    <p:sldId id="262" r:id="rId10"/>
-    <p:sldId id="263" r:id="rId11"/>
-    <p:sldId id="264" r:id="rId12"/>
-    <p:sldId id="265" r:id="rId13"/>
-    <p:sldId id="266" r:id="rId14"/>
-    <p:sldId id="267" r:id="rId15"/>
-    <p:sldId id="268" r:id="rId16"/>
-    <p:sldId id="269" r:id="rId17"/>
-    <p:sldId id="270" r:id="rId18"/>
+    <p:sldId id="256" r:id="rId2"/>
+    <p:sldId id="257" r:id="rId3"/>
+    <p:sldId id="258" r:id="rId4"/>
+    <p:sldId id="259" r:id="rId5"/>
+    <p:sldId id="260" r:id="rId6"/>
+    <p:sldId id="261" r:id="rId7"/>
+    <p:sldId id="262" r:id="rId8"/>
+    <p:sldId id="263" r:id="rId9"/>
+    <p:sldId id="264" r:id="rId10"/>
+    <p:sldId id="265" r:id="rId11"/>
+    <p:sldId id="266" r:id="rId12"/>
+    <p:sldId id="267" r:id="rId13"/>
+    <p:sldId id="268" r:id="rId14"/>
+    <p:sldId id="269" r:id="rId15"/>
+    <p:sldId id="270" r:id="rId16"/>
   </p:sldIdLst>
   <p:sldSz cx="12192000" cy="6858000"/>
   <p:notesSz cx="6858000" cy="9144000"/>
@@ -121,12 +121,28 @@
       </a:defRPr>
     </a:lvl9pPr>
   </p:defaultTextStyle>
+  <p:extLst>
+    <p:ext uri="{EFAFB233-063F-42B5-8137-9DF3F51BA10A}">
+      <p15:sldGuideLst xmlns:p15="http://schemas.microsoft.com/office/powerpoint/2012/main">
+        <p15:guide id="1" pos="3840">
+          <p15:clr>
+            <a:srgbClr val="A4A3A4"/>
+          </p15:clr>
+        </p15:guide>
+        <p15:guide id="2" orient="horz" pos="2160">
+          <p15:clr>
+            <a:srgbClr val="A4A3A4"/>
+          </p15:clr>
+        </p15:guide>
+      </p15:sldGuideLst>
+    </p:ext>
+  </p:extLst>
 </p:presentation>
 </file>
 
 <file path=ppt/notesMasters/notesMaster1.xml><?xml version="1.0" encoding="utf-8"?>
 <p:notesMaster xmlns:a="http://schemas.openxmlformats.org/drawingml/2006/main" xmlns:r="http://schemas.openxmlformats.org/officeDocument/2006/relationships" xmlns:p="http://schemas.openxmlformats.org/presentationml/2006/main">
-  <p:cSld name="">
+  <p:cSld>
     <p:bg>
       <p:bgRef idx="1001">
         <a:schemeClr val="bg1"/>
@@ -212,7 +228,7 @@
             </a:pPr>
             <a:fld id="{3632E96E-41F7-40C5-8419-297958CC00FA}" type="datetimeFigureOut">
               <a:rPr lang="pt-BR"/>
-              <a:t>10/30/2013</a:t>
+              <a:t>21/08/2025</a:t>
             </a:fld>
             <a:endParaRPr lang="pt-BR"/>
           </a:p>
@@ -222,7 +238,7 @@
         <p:nvSpPr>
           <p:cNvPr id="1246446836" name="Espaço reservado para imagem de slide 3"/>
           <p:cNvSpPr>
-            <a:spLocks noChangeAspect="1" noGrp="1" noRot="1"/>
+            <a:spLocks noGrp="1" noRot="1" noChangeAspect="1"/>
           </p:cNvSpPr>
           <p:nvPr>
             <p:ph type="sldImg" idx="2"/>
@@ -324,7 +340,6 @@
               <a:rPr lang="pt-BR"/>
               <a:t>Quinto nível</a:t>
             </a:r>
-            <a:endParaRPr lang="pt-BR"/>
           </a:p>
         </p:txBody>
       </p:sp>
@@ -394,7 +409,7 @@
             </a:pPr>
             <a:fld id="{2E6999B8-B6B4-4561-A3CD-BBCDAB9FC9D9}" type="slidenum">
               <a:rPr lang="pt-BR"/>
-              <a:t>‹#›</a:t>
+              <a:t>‹nº›</a:t>
             </a:fld>
             <a:endParaRPr lang="pt-BR"/>
           </a:p>
@@ -499,8 +514,8 @@
 </file>
 
 <file path=ppt/notesSlides/notesSlide1.xml><?xml version="1.0" encoding="utf-8"?>
-<p:notes xmlns:a="http://schemas.openxmlformats.org/drawingml/2006/main" xmlns:r="http://schemas.openxmlformats.org/officeDocument/2006/relationships" xmlns:p="http://schemas.openxmlformats.org/presentationml/2006/main" xmlns:m="http://schemas.openxmlformats.org/officeDocument/2006/math" xmlns:w="http://schemas.openxmlformats.org/wordprocessingml/2006/main">
-  <p:cSld name="">
+<p:notes xmlns:a="http://schemas.openxmlformats.org/drawingml/2006/main" xmlns:r="http://schemas.openxmlformats.org/officeDocument/2006/relationships" xmlns:p="http://schemas.openxmlformats.org/presentationml/2006/main">
+  <p:cSld>
     <p:spTree>
       <p:nvGrpSpPr>
         <p:cNvPr id="1" name=""/>
@@ -519,7 +534,7 @@
         <p:nvSpPr>
           <p:cNvPr id="1547304519" name="Espaço reservado para imagem de slide 1"/>
           <p:cNvSpPr>
-            <a:spLocks noChangeAspect="1" noGrp="1" noRot="1"/>
+            <a:spLocks noGrp="1" noRot="1" noChangeAspect="1"/>
           </p:cNvSpPr>
           <p:nvPr>
             <p:ph type="sldImg"/>
@@ -585,12 +600,15 @@
       </p:sp>
     </p:spTree>
   </p:cSld>
+  <p:clrMapOvr>
+    <a:masterClrMapping/>
+  </p:clrMapOvr>
 </p:notes>
 </file>
 
 <file path=ppt/notesSlides/notesSlide10.xml><?xml version="1.0" encoding="utf-8"?>
-<p:notes xmlns:a="http://schemas.openxmlformats.org/drawingml/2006/main" xmlns:r="http://schemas.openxmlformats.org/officeDocument/2006/relationships" xmlns:p="http://schemas.openxmlformats.org/presentationml/2006/main" xmlns:m="http://schemas.openxmlformats.org/officeDocument/2006/math" xmlns:w="http://schemas.openxmlformats.org/wordprocessingml/2006/main">
-  <p:cSld name="">
+<p:notes xmlns:a="http://schemas.openxmlformats.org/drawingml/2006/main" xmlns:r="http://schemas.openxmlformats.org/officeDocument/2006/relationships" xmlns:p="http://schemas.openxmlformats.org/presentationml/2006/main">
+  <p:cSld>
     <p:spTree>
       <p:nvGrpSpPr>
         <p:cNvPr id="1" name=""/>
@@ -609,7 +627,7 @@
         <p:nvSpPr>
           <p:cNvPr id="1723041255" name="Espaço reservado para imagem de slide 1"/>
           <p:cNvSpPr>
-            <a:spLocks noChangeAspect="1" noGrp="1" noRot="1"/>
+            <a:spLocks noGrp="1" noRot="1" noChangeAspect="1"/>
           </p:cNvSpPr>
           <p:nvPr>
             <p:ph type="sldImg"/>
@@ -667,7 +685,7 @@
             </a:pPr>
             <a:fld id="{4D6F8EBE-A5E7-8CE1-95D8-8E37EFE413EF}" type="slidenum">
               <a:rPr lang="pt-BR"/>
-              <a:t/>
+              <a:t>10</a:t>
             </a:fld>
             <a:endParaRPr lang="pt-BR"/>
           </a:p>
@@ -675,12 +693,15 @@
       </p:sp>
     </p:spTree>
   </p:cSld>
+  <p:clrMapOvr>
+    <a:masterClrMapping/>
+  </p:clrMapOvr>
 </p:notes>
 </file>
 
 <file path=ppt/notesSlides/notesSlide11.xml><?xml version="1.0" encoding="utf-8"?>
-<p:notes xmlns:a="http://schemas.openxmlformats.org/drawingml/2006/main" xmlns:r="http://schemas.openxmlformats.org/officeDocument/2006/relationships" xmlns:p="http://schemas.openxmlformats.org/presentationml/2006/main" xmlns:m="http://schemas.openxmlformats.org/officeDocument/2006/math" xmlns:w="http://schemas.openxmlformats.org/wordprocessingml/2006/main">
-  <p:cSld name="">
+<p:notes xmlns:a="http://schemas.openxmlformats.org/drawingml/2006/main" xmlns:r="http://schemas.openxmlformats.org/officeDocument/2006/relationships" xmlns:p="http://schemas.openxmlformats.org/presentationml/2006/main">
+  <p:cSld>
     <p:spTree>
       <p:nvGrpSpPr>
         <p:cNvPr id="1" name=""/>
@@ -699,7 +720,7 @@
         <p:nvSpPr>
           <p:cNvPr id="233131635" name="Espaço reservado para imagem de slide 1"/>
           <p:cNvSpPr>
-            <a:spLocks noChangeAspect="1" noGrp="1" noRot="1"/>
+            <a:spLocks noGrp="1" noRot="1" noChangeAspect="1"/>
           </p:cNvSpPr>
           <p:nvPr>
             <p:ph type="sldImg"/>
@@ -757,7 +778,7 @@
             </a:pPr>
             <a:fld id="{AD6A60E9-4FD7-3F2E-15A5-BFEAAEE9D840}" type="slidenum">
               <a:rPr lang="pt-BR"/>
-              <a:t/>
+              <a:t>11</a:t>
             </a:fld>
             <a:endParaRPr lang="pt-BR"/>
           </a:p>
@@ -765,12 +786,15 @@
       </p:sp>
     </p:spTree>
   </p:cSld>
+  <p:clrMapOvr>
+    <a:masterClrMapping/>
+  </p:clrMapOvr>
 </p:notes>
 </file>
 
 <file path=ppt/notesSlides/notesSlide12.xml><?xml version="1.0" encoding="utf-8"?>
-<p:notes xmlns:a="http://schemas.openxmlformats.org/drawingml/2006/main" xmlns:r="http://schemas.openxmlformats.org/officeDocument/2006/relationships" xmlns:p="http://schemas.openxmlformats.org/presentationml/2006/main" xmlns:m="http://schemas.openxmlformats.org/officeDocument/2006/math" xmlns:w="http://schemas.openxmlformats.org/wordprocessingml/2006/main">
-  <p:cSld name="">
+<p:notes xmlns:a="http://schemas.openxmlformats.org/drawingml/2006/main" xmlns:r="http://schemas.openxmlformats.org/officeDocument/2006/relationships" xmlns:p="http://schemas.openxmlformats.org/presentationml/2006/main">
+  <p:cSld>
     <p:spTree>
       <p:nvGrpSpPr>
         <p:cNvPr id="1" name=""/>
@@ -789,7 +813,7 @@
         <p:nvSpPr>
           <p:cNvPr id="739013585" name="Espaço reservado para imagem de slide 1"/>
           <p:cNvSpPr>
-            <a:spLocks noChangeAspect="1" noGrp="1" noRot="1"/>
+            <a:spLocks noGrp="1" noRot="1" noChangeAspect="1"/>
           </p:cNvSpPr>
           <p:nvPr>
             <p:ph type="sldImg"/>
@@ -847,7 +871,7 @@
             </a:pPr>
             <a:fld id="{E4B21A5B-302D-1D1B-56CE-CBEF6C44AC98}" type="slidenum">
               <a:rPr lang="pt-BR"/>
-              <a:t/>
+              <a:t>12</a:t>
             </a:fld>
             <a:endParaRPr lang="pt-BR"/>
           </a:p>
@@ -855,12 +879,15 @@
       </p:sp>
     </p:spTree>
   </p:cSld>
+  <p:clrMapOvr>
+    <a:masterClrMapping/>
+  </p:clrMapOvr>
 </p:notes>
 </file>
 
 <file path=ppt/notesSlides/notesSlide13.xml><?xml version="1.0" encoding="utf-8"?>
-<p:notes xmlns:a="http://schemas.openxmlformats.org/drawingml/2006/main" xmlns:r="http://schemas.openxmlformats.org/officeDocument/2006/relationships" xmlns:p="http://schemas.openxmlformats.org/presentationml/2006/main" xmlns:m="http://schemas.openxmlformats.org/officeDocument/2006/math" xmlns:w="http://schemas.openxmlformats.org/wordprocessingml/2006/main">
-  <p:cSld name="">
+<p:notes xmlns:a="http://schemas.openxmlformats.org/drawingml/2006/main" xmlns:r="http://schemas.openxmlformats.org/officeDocument/2006/relationships" xmlns:p="http://schemas.openxmlformats.org/presentationml/2006/main">
+  <p:cSld>
     <p:spTree>
       <p:nvGrpSpPr>
         <p:cNvPr id="1" name=""/>
@@ -879,7 +906,7 @@
         <p:nvSpPr>
           <p:cNvPr id="565399432" name="Espaço reservado para imagem de slide 1"/>
           <p:cNvSpPr>
-            <a:spLocks noChangeAspect="1" noGrp="1" noRot="1"/>
+            <a:spLocks noGrp="1" noRot="1" noChangeAspect="1"/>
           </p:cNvSpPr>
           <p:nvPr>
             <p:ph type="sldImg"/>
@@ -937,7 +964,7 @@
             </a:pPr>
             <a:fld id="{8E576DE3-1C38-B77A-FC26-63C600D840E1}" type="slidenum">
               <a:rPr lang="pt-BR"/>
-              <a:t/>
+              <a:t>13</a:t>
             </a:fld>
             <a:endParaRPr lang="pt-BR"/>
           </a:p>
@@ -945,12 +972,15 @@
       </p:sp>
     </p:spTree>
   </p:cSld>
+  <p:clrMapOvr>
+    <a:masterClrMapping/>
+  </p:clrMapOvr>
 </p:notes>
 </file>
 
 <file path=ppt/notesSlides/notesSlide14.xml><?xml version="1.0" encoding="utf-8"?>
-<p:notes xmlns:a="http://schemas.openxmlformats.org/drawingml/2006/main" xmlns:r="http://schemas.openxmlformats.org/officeDocument/2006/relationships" xmlns:p="http://schemas.openxmlformats.org/presentationml/2006/main" xmlns:m="http://schemas.openxmlformats.org/officeDocument/2006/math" xmlns:w="http://schemas.openxmlformats.org/wordprocessingml/2006/main">
-  <p:cSld name="">
+<p:notes xmlns:a="http://schemas.openxmlformats.org/drawingml/2006/main" xmlns:r="http://schemas.openxmlformats.org/officeDocument/2006/relationships" xmlns:p="http://schemas.openxmlformats.org/presentationml/2006/main">
+  <p:cSld>
     <p:spTree>
       <p:nvGrpSpPr>
         <p:cNvPr id="1" name=""/>
@@ -969,7 +999,7 @@
         <p:nvSpPr>
           <p:cNvPr id="110688966" name="Espaço reservado para imagem de slide 1"/>
           <p:cNvSpPr>
-            <a:spLocks noChangeAspect="1" noGrp="1" noRot="1"/>
+            <a:spLocks noGrp="1" noRot="1" noChangeAspect="1"/>
           </p:cNvSpPr>
           <p:nvPr>
             <p:ph type="sldImg"/>
@@ -1027,7 +1057,7 @@
             </a:pPr>
             <a:fld id="{772A2DF5-01BF-2E41-512F-32CF76DC6838}" type="slidenum">
               <a:rPr lang="pt-BR"/>
-              <a:t/>
+              <a:t>14</a:t>
             </a:fld>
             <a:endParaRPr lang="pt-BR"/>
           </a:p>
@@ -1035,12 +1065,15 @@
       </p:sp>
     </p:spTree>
   </p:cSld>
+  <p:clrMapOvr>
+    <a:masterClrMapping/>
+  </p:clrMapOvr>
 </p:notes>
 </file>
 
 <file path=ppt/notesSlides/notesSlide15.xml><?xml version="1.0" encoding="utf-8"?>
-<p:notes xmlns:a="http://schemas.openxmlformats.org/drawingml/2006/main" xmlns:r="http://schemas.openxmlformats.org/officeDocument/2006/relationships" xmlns:p="http://schemas.openxmlformats.org/presentationml/2006/main" xmlns:m="http://schemas.openxmlformats.org/officeDocument/2006/math" xmlns:w="http://schemas.openxmlformats.org/wordprocessingml/2006/main">
-  <p:cSld name="">
+<p:notes xmlns:a="http://schemas.openxmlformats.org/drawingml/2006/main" xmlns:r="http://schemas.openxmlformats.org/officeDocument/2006/relationships" xmlns:p="http://schemas.openxmlformats.org/presentationml/2006/main">
+  <p:cSld>
     <p:spTree>
       <p:nvGrpSpPr>
         <p:cNvPr id="1" name=""/>
@@ -1059,7 +1092,7 @@
         <p:nvSpPr>
           <p:cNvPr id="802699812" name="Espaço reservado para imagem de slide 1"/>
           <p:cNvSpPr>
-            <a:spLocks noChangeAspect="1" noGrp="1" noRot="1"/>
+            <a:spLocks noGrp="1" noRot="1" noChangeAspect="1"/>
           </p:cNvSpPr>
           <p:nvPr>
             <p:ph type="sldImg"/>
@@ -1117,7 +1150,7 @@
             </a:pPr>
             <a:fld id="{DACA124E-E6F5-C08B-DD0D-31D3BFE10D96}" type="slidenum">
               <a:rPr lang="pt-BR"/>
-              <a:t/>
+              <a:t>15</a:t>
             </a:fld>
             <a:endParaRPr lang="pt-BR"/>
           </a:p>
@@ -1125,12 +1158,15 @@
       </p:sp>
     </p:spTree>
   </p:cSld>
+  <p:clrMapOvr>
+    <a:masterClrMapping/>
+  </p:clrMapOvr>
 </p:notes>
 </file>
 
 <file path=ppt/notesSlides/notesSlide2.xml><?xml version="1.0" encoding="utf-8"?>
-<p:notes xmlns:a="http://schemas.openxmlformats.org/drawingml/2006/main" xmlns:r="http://schemas.openxmlformats.org/officeDocument/2006/relationships" xmlns:p="http://schemas.openxmlformats.org/presentationml/2006/main" xmlns:m="http://schemas.openxmlformats.org/officeDocument/2006/math" xmlns:w="http://schemas.openxmlformats.org/wordprocessingml/2006/main">
-  <p:cSld name="">
+<p:notes xmlns:a="http://schemas.openxmlformats.org/drawingml/2006/main" xmlns:r="http://schemas.openxmlformats.org/officeDocument/2006/relationships" xmlns:p="http://schemas.openxmlformats.org/presentationml/2006/main">
+  <p:cSld>
     <p:spTree>
       <p:nvGrpSpPr>
         <p:cNvPr id="1" name=""/>
@@ -1149,7 +1185,7 @@
         <p:nvSpPr>
           <p:cNvPr id="366660234" name="Espaço reservado para imagem de slide 1"/>
           <p:cNvSpPr>
-            <a:spLocks noChangeAspect="1" noGrp="1" noRot="1"/>
+            <a:spLocks noGrp="1" noRot="1" noChangeAspect="1"/>
           </p:cNvSpPr>
           <p:nvPr>
             <p:ph type="sldImg"/>
@@ -1207,7 +1243,7 @@
             </a:pPr>
             <a:fld id="{FAB0FAC2-D8FF-8373-6180-DAE08B4EB9C3}" type="slidenum">
               <a:rPr lang="pt-BR"/>
-              <a:t/>
+              <a:t>2</a:t>
             </a:fld>
             <a:endParaRPr lang="pt-BR"/>
           </a:p>
@@ -1215,12 +1251,15 @@
       </p:sp>
     </p:spTree>
   </p:cSld>
+  <p:clrMapOvr>
+    <a:masterClrMapping/>
+  </p:clrMapOvr>
 </p:notes>
 </file>
 
 <file path=ppt/notesSlides/notesSlide3.xml><?xml version="1.0" encoding="utf-8"?>
-<p:notes xmlns:a="http://schemas.openxmlformats.org/drawingml/2006/main" xmlns:r="http://schemas.openxmlformats.org/officeDocument/2006/relationships" xmlns:p="http://schemas.openxmlformats.org/presentationml/2006/main" xmlns:m="http://schemas.openxmlformats.org/officeDocument/2006/math" xmlns:w="http://schemas.openxmlformats.org/wordprocessingml/2006/main">
-  <p:cSld name="">
+<p:notes xmlns:a="http://schemas.openxmlformats.org/drawingml/2006/main" xmlns:r="http://schemas.openxmlformats.org/officeDocument/2006/relationships" xmlns:p="http://schemas.openxmlformats.org/presentationml/2006/main">
+  <p:cSld>
     <p:spTree>
       <p:nvGrpSpPr>
         <p:cNvPr id="1" name=""/>
@@ -1239,7 +1278,7 @@
         <p:nvSpPr>
           <p:cNvPr id="1759887353" name="Espaço reservado para imagem de slide 1"/>
           <p:cNvSpPr>
-            <a:spLocks noChangeAspect="1" noGrp="1" noRot="1"/>
+            <a:spLocks noGrp="1" noRot="1" noChangeAspect="1"/>
           </p:cNvSpPr>
           <p:nvPr>
             <p:ph type="sldImg"/>
@@ -1297,7 +1336,7 @@
             </a:pPr>
             <a:fld id="{8DD46611-0BE1-EB41-B766-21C06D645548}" type="slidenum">
               <a:rPr lang="pt-BR"/>
-              <a:t/>
+              <a:t>3</a:t>
             </a:fld>
             <a:endParaRPr lang="pt-BR"/>
           </a:p>
@@ -1305,12 +1344,15 @@
       </p:sp>
     </p:spTree>
   </p:cSld>
+  <p:clrMapOvr>
+    <a:masterClrMapping/>
+  </p:clrMapOvr>
 </p:notes>
 </file>
 
 <file path=ppt/notesSlides/notesSlide4.xml><?xml version="1.0" encoding="utf-8"?>
-<p:notes xmlns:a="http://schemas.openxmlformats.org/drawingml/2006/main" xmlns:r="http://schemas.openxmlformats.org/officeDocument/2006/relationships" xmlns:p="http://schemas.openxmlformats.org/presentationml/2006/main" xmlns:m="http://schemas.openxmlformats.org/officeDocument/2006/math" xmlns:w="http://schemas.openxmlformats.org/wordprocessingml/2006/main">
-  <p:cSld name="">
+<p:notes xmlns:a="http://schemas.openxmlformats.org/drawingml/2006/main" xmlns:r="http://schemas.openxmlformats.org/officeDocument/2006/relationships" xmlns:p="http://schemas.openxmlformats.org/presentationml/2006/main">
+  <p:cSld>
     <p:spTree>
       <p:nvGrpSpPr>
         <p:cNvPr id="1" name=""/>
@@ -1329,7 +1371,7 @@
         <p:nvSpPr>
           <p:cNvPr id="1179588383" name="Espaço reservado para imagem de slide 1"/>
           <p:cNvSpPr>
-            <a:spLocks noChangeAspect="1" noGrp="1" noRot="1"/>
+            <a:spLocks noGrp="1" noRot="1" noChangeAspect="1"/>
           </p:cNvSpPr>
           <p:nvPr>
             <p:ph type="sldImg"/>
@@ -1387,7 +1429,7 @@
             </a:pPr>
             <a:fld id="{348807AE-A9F2-1C79-5631-4BBD9479E32E}" type="slidenum">
               <a:rPr lang="pt-BR"/>
-              <a:t/>
+              <a:t>4</a:t>
             </a:fld>
             <a:endParaRPr lang="pt-BR"/>
           </a:p>
@@ -1395,12 +1437,15 @@
       </p:sp>
     </p:spTree>
   </p:cSld>
+  <p:clrMapOvr>
+    <a:masterClrMapping/>
+  </p:clrMapOvr>
 </p:notes>
 </file>
 
 <file path=ppt/notesSlides/notesSlide5.xml><?xml version="1.0" encoding="utf-8"?>
-<p:notes xmlns:a="http://schemas.openxmlformats.org/drawingml/2006/main" xmlns:r="http://schemas.openxmlformats.org/officeDocument/2006/relationships" xmlns:p="http://schemas.openxmlformats.org/presentationml/2006/main" xmlns:m="http://schemas.openxmlformats.org/officeDocument/2006/math" xmlns:w="http://schemas.openxmlformats.org/wordprocessingml/2006/main">
-  <p:cSld name="">
+<p:notes xmlns:a="http://schemas.openxmlformats.org/drawingml/2006/main" xmlns:r="http://schemas.openxmlformats.org/officeDocument/2006/relationships" xmlns:p="http://schemas.openxmlformats.org/presentationml/2006/main">
+  <p:cSld>
     <p:spTree>
       <p:nvGrpSpPr>
         <p:cNvPr id="1" name=""/>
@@ -1419,7 +1464,7 @@
         <p:nvSpPr>
           <p:cNvPr id="295397347" name="Espaço reservado para imagem de slide 1"/>
           <p:cNvSpPr>
-            <a:spLocks noChangeAspect="1" noGrp="1" noRot="1"/>
+            <a:spLocks noGrp="1" noRot="1" noChangeAspect="1"/>
           </p:cNvSpPr>
           <p:nvPr>
             <p:ph type="sldImg"/>
@@ -1477,7 +1522,7 @@
             </a:pPr>
             <a:fld id="{ED401099-D4C7-2C33-4391-DE36031548E1}" type="slidenum">
               <a:rPr lang="pt-BR"/>
-              <a:t/>
+              <a:t>5</a:t>
             </a:fld>
             <a:endParaRPr lang="pt-BR"/>
           </a:p>
@@ -1485,12 +1530,15 @@
       </p:sp>
     </p:spTree>
   </p:cSld>
+  <p:clrMapOvr>
+    <a:masterClrMapping/>
+  </p:clrMapOvr>
 </p:notes>
 </file>
 
 <file path=ppt/notesSlides/notesSlide6.xml><?xml version="1.0" encoding="utf-8"?>
-<p:notes xmlns:a="http://schemas.openxmlformats.org/drawingml/2006/main" xmlns:r="http://schemas.openxmlformats.org/officeDocument/2006/relationships" xmlns:p="http://schemas.openxmlformats.org/presentationml/2006/main" xmlns:m="http://schemas.openxmlformats.org/officeDocument/2006/math" xmlns:w="http://schemas.openxmlformats.org/wordprocessingml/2006/main">
-  <p:cSld name="">
+<p:notes xmlns:a="http://schemas.openxmlformats.org/drawingml/2006/main" xmlns:r="http://schemas.openxmlformats.org/officeDocument/2006/relationships" xmlns:p="http://schemas.openxmlformats.org/presentationml/2006/main">
+  <p:cSld>
     <p:spTree>
       <p:nvGrpSpPr>
         <p:cNvPr id="1" name=""/>
@@ -1509,7 +1557,7 @@
         <p:nvSpPr>
           <p:cNvPr id="968985476" name="Espaço reservado para imagem de slide 1"/>
           <p:cNvSpPr>
-            <a:spLocks noChangeAspect="1" noGrp="1" noRot="1"/>
+            <a:spLocks noGrp="1" noRot="1" noChangeAspect="1"/>
           </p:cNvSpPr>
           <p:nvPr>
             <p:ph type="sldImg"/>
@@ -1567,7 +1615,7 @@
             </a:pPr>
             <a:fld id="{AC55B080-43F1-2403-7205-0C1CAF3BA36E}" type="slidenum">
               <a:rPr lang="pt-BR"/>
-              <a:t/>
+              <a:t>6</a:t>
             </a:fld>
             <a:endParaRPr lang="pt-BR"/>
           </a:p>
@@ -1575,12 +1623,15 @@
       </p:sp>
     </p:spTree>
   </p:cSld>
+  <p:clrMapOvr>
+    <a:masterClrMapping/>
+  </p:clrMapOvr>
 </p:notes>
 </file>
 
 <file path=ppt/notesSlides/notesSlide7.xml><?xml version="1.0" encoding="utf-8"?>
-<p:notes xmlns:a="http://schemas.openxmlformats.org/drawingml/2006/main" xmlns:r="http://schemas.openxmlformats.org/officeDocument/2006/relationships" xmlns:p="http://schemas.openxmlformats.org/presentationml/2006/main" xmlns:m="http://schemas.openxmlformats.org/officeDocument/2006/math" xmlns:w="http://schemas.openxmlformats.org/wordprocessingml/2006/main">
-  <p:cSld name="">
+<p:notes xmlns:a="http://schemas.openxmlformats.org/drawingml/2006/main" xmlns:r="http://schemas.openxmlformats.org/officeDocument/2006/relationships" xmlns:p="http://schemas.openxmlformats.org/presentationml/2006/main">
+  <p:cSld>
     <p:spTree>
       <p:nvGrpSpPr>
         <p:cNvPr id="1" name=""/>
@@ -1599,7 +1650,7 @@
         <p:nvSpPr>
           <p:cNvPr id="1419342252" name="Espaço reservado para imagem de slide 1"/>
           <p:cNvSpPr>
-            <a:spLocks noChangeAspect="1" noGrp="1" noRot="1"/>
+            <a:spLocks noGrp="1" noRot="1" noChangeAspect="1"/>
           </p:cNvSpPr>
           <p:nvPr>
             <p:ph type="sldImg"/>
@@ -1657,7 +1708,7 @@
             </a:pPr>
             <a:fld id="{FC993A20-992A-7EFB-A182-3CC9522EBD2F}" type="slidenum">
               <a:rPr lang="pt-BR"/>
-              <a:t/>
+              <a:t>7</a:t>
             </a:fld>
             <a:endParaRPr lang="pt-BR"/>
           </a:p>
@@ -1665,12 +1716,15 @@
       </p:sp>
     </p:spTree>
   </p:cSld>
+  <p:clrMapOvr>
+    <a:masterClrMapping/>
+  </p:clrMapOvr>
 </p:notes>
 </file>
 
 <file path=ppt/notesSlides/notesSlide8.xml><?xml version="1.0" encoding="utf-8"?>
-<p:notes xmlns:a="http://schemas.openxmlformats.org/drawingml/2006/main" xmlns:r="http://schemas.openxmlformats.org/officeDocument/2006/relationships" xmlns:p="http://schemas.openxmlformats.org/presentationml/2006/main" xmlns:m="http://schemas.openxmlformats.org/officeDocument/2006/math" xmlns:w="http://schemas.openxmlformats.org/wordprocessingml/2006/main">
-  <p:cSld name="">
+<p:notes xmlns:a="http://schemas.openxmlformats.org/drawingml/2006/main" xmlns:r="http://schemas.openxmlformats.org/officeDocument/2006/relationships" xmlns:p="http://schemas.openxmlformats.org/presentationml/2006/main">
+  <p:cSld>
     <p:spTree>
       <p:nvGrpSpPr>
         <p:cNvPr id="1" name=""/>
@@ -1689,7 +1743,7 @@
         <p:nvSpPr>
           <p:cNvPr id="882947043" name="Espaço reservado para imagem de slide 1"/>
           <p:cNvSpPr>
-            <a:spLocks noChangeAspect="1" noGrp="1" noRot="1"/>
+            <a:spLocks noGrp="1" noRot="1" noChangeAspect="1"/>
           </p:cNvSpPr>
           <p:nvPr>
             <p:ph type="sldImg"/>
@@ -1747,7 +1801,7 @@
             </a:pPr>
             <a:fld id="{71DEABC5-0606-11AD-FD89-4F6E28C0F93F}" type="slidenum">
               <a:rPr lang="pt-BR"/>
-              <a:t/>
+              <a:t>8</a:t>
             </a:fld>
             <a:endParaRPr lang="pt-BR"/>
           </a:p>
@@ -1755,12 +1809,15 @@
       </p:sp>
     </p:spTree>
   </p:cSld>
+  <p:clrMapOvr>
+    <a:masterClrMapping/>
+  </p:clrMapOvr>
 </p:notes>
 </file>
 
 <file path=ppt/notesSlides/notesSlide9.xml><?xml version="1.0" encoding="utf-8"?>
-<p:notes xmlns:a="http://schemas.openxmlformats.org/drawingml/2006/main" xmlns:r="http://schemas.openxmlformats.org/officeDocument/2006/relationships" xmlns:p="http://schemas.openxmlformats.org/presentationml/2006/main" xmlns:m="http://schemas.openxmlformats.org/officeDocument/2006/math" xmlns:w="http://schemas.openxmlformats.org/wordprocessingml/2006/main">
-  <p:cSld name="">
+<p:notes xmlns:a="http://schemas.openxmlformats.org/drawingml/2006/main" xmlns:r="http://schemas.openxmlformats.org/officeDocument/2006/relationships" xmlns:p="http://schemas.openxmlformats.org/presentationml/2006/main">
+  <p:cSld>
     <p:spTree>
       <p:nvGrpSpPr>
         <p:cNvPr id="1" name=""/>
@@ -1779,7 +1836,7 @@
         <p:nvSpPr>
           <p:cNvPr id="1900496944" name="Espaço reservado para imagem de slide 1"/>
           <p:cNvSpPr>
-            <a:spLocks noChangeAspect="1" noGrp="1" noRot="1"/>
+            <a:spLocks noGrp="1" noRot="1" noChangeAspect="1"/>
           </p:cNvSpPr>
           <p:nvPr>
             <p:ph type="sldImg"/>
@@ -1837,7 +1894,7 @@
             </a:pPr>
             <a:fld id="{C865F444-FEA0-B802-59A4-0B1D89704F75}" type="slidenum">
               <a:rPr lang="pt-BR"/>
-              <a:t/>
+              <a:t>9</a:t>
             </a:fld>
             <a:endParaRPr lang="pt-BR"/>
           </a:p>
@@ -1845,11 +1902,14 @@
       </p:sp>
     </p:spTree>
   </p:cSld>
+  <p:clrMapOvr>
+    <a:masterClrMapping/>
+  </p:clrMapOvr>
 </p:notes>
 </file>
 
 <file path=ppt/slideLayouts/slideLayout1.xml><?xml version="1.0" encoding="utf-8"?>
-<p:sldLayout xmlns:a="http://schemas.openxmlformats.org/drawingml/2006/main" xmlns:r="http://schemas.openxmlformats.org/officeDocument/2006/relationships" xmlns:p="http://schemas.openxmlformats.org/presentationml/2006/main" xmlns:m="http://schemas.openxmlformats.org/officeDocument/2006/math" xmlns:w="http://schemas.openxmlformats.org/wordprocessingml/2006/main" matchingName="" preserve="1" showMasterPhAnim="0" showMasterSp="1" type="title" userDrawn="1">
+<p:sldLayout xmlns:a="http://schemas.openxmlformats.org/drawingml/2006/main" xmlns:r="http://schemas.openxmlformats.org/officeDocument/2006/relationships" xmlns:p="http://schemas.openxmlformats.org/presentationml/2006/main" showMasterPhAnim="0" type="title" preserve="1" userDrawn="1">
   <p:cSld name="Diapositivo de título">
     <p:spTree>
       <p:nvGrpSpPr>
@@ -1896,7 +1956,6 @@
               <a:rPr lang="pt-BR"/>
               <a:t>Clique para editar o estilo</a:t>
             </a:r>
-            <a:endParaRPr lang="pt-BR"/>
           </a:p>
         </p:txBody>
       </p:sp>
@@ -1964,7 +2023,6 @@
               <a:rPr lang="pt-BR"/>
               <a:t>Faça clique para editar o estilo</a:t>
             </a:r>
-            <a:endParaRPr lang="pt-BR"/>
           </a:p>
         </p:txBody>
       </p:sp>
@@ -1988,7 +2046,7 @@
             </a:pPr>
             <a:fld id="{BCC18F51-09EC-435C-A3BA-64A766E099C0}" type="datetimeFigureOut">
               <a:rPr lang="pt-BR"/>
-              <a:t>30.10.2013</a:t>
+              <a:t>21/08/2025</a:t>
             </a:fld>
             <a:endParaRPr lang="pt-BR"/>
           </a:p>
@@ -2036,7 +2094,7 @@
             </a:pPr>
             <a:fld id="{08395586-F03A-48D1-94DF-16B239DF4FB5}" type="slidenum">
               <a:rPr lang="pt-BR"/>
-              <a:t>‹#›</a:t>
+              <a:t>‹nº›</a:t>
             </a:fld>
             <a:endParaRPr lang="pt-BR"/>
           </a:p>
@@ -2051,7 +2109,7 @@
 </file>
 
 <file path=ppt/slideLayouts/slideLayout10.xml><?xml version="1.0" encoding="utf-8"?>
-<p:sldLayout xmlns:a="http://schemas.openxmlformats.org/drawingml/2006/main" xmlns:r="http://schemas.openxmlformats.org/officeDocument/2006/relationships" xmlns:p="http://schemas.openxmlformats.org/presentationml/2006/main" xmlns:m="http://schemas.openxmlformats.org/officeDocument/2006/math" xmlns:w="http://schemas.openxmlformats.org/wordprocessingml/2006/main" matchingName="" preserve="1" showMasterPhAnim="0" showMasterSp="1" type="vertTx" userDrawn="1">
+<p:sldLayout xmlns:a="http://schemas.openxmlformats.org/drawingml/2006/main" xmlns:r="http://schemas.openxmlformats.org/officeDocument/2006/relationships" xmlns:p="http://schemas.openxmlformats.org/presentationml/2006/main" showMasterPhAnim="0" type="vertTx" preserve="1" userDrawn="1">
   <p:cSld name="Título e texto vertical">
     <p:spTree>
       <p:nvGrpSpPr>
@@ -2089,7 +2147,6 @@
               <a:rPr lang="pt-BR"/>
               <a:t>Clique para editar o estilo</a:t>
             </a:r>
-            <a:endParaRPr lang="pt-BR"/>
           </a:p>
         </p:txBody>
       </p:sp>
@@ -2155,7 +2212,6 @@
               <a:rPr lang="pt-BR"/>
               <a:t>Quinto nível</a:t>
             </a:r>
-            <a:endParaRPr lang="pt-BR"/>
           </a:p>
         </p:txBody>
       </p:sp>
@@ -2179,7 +2235,7 @@
             </a:pPr>
             <a:fld id="{BCC18F51-09EC-435C-A3BA-64A766E099C0}" type="datetimeFigureOut">
               <a:rPr lang="pt-BR"/>
-              <a:t>30.10.2013</a:t>
+              <a:t>21/08/2025</a:t>
             </a:fld>
             <a:endParaRPr lang="pt-BR"/>
           </a:p>
@@ -2227,7 +2283,7 @@
             </a:pPr>
             <a:fld id="{08395586-F03A-48D1-94DF-16B239DF4FB5}" type="slidenum">
               <a:rPr lang="pt-BR"/>
-              <a:t>‹#›</a:t>
+              <a:t>‹nº›</a:t>
             </a:fld>
             <a:endParaRPr lang="pt-BR"/>
           </a:p>
@@ -2242,7 +2298,7 @@
 </file>
 
 <file path=ppt/slideLayouts/slideLayout11.xml><?xml version="1.0" encoding="utf-8"?>
-<p:sldLayout xmlns:a="http://schemas.openxmlformats.org/drawingml/2006/main" xmlns:r="http://schemas.openxmlformats.org/officeDocument/2006/relationships" xmlns:p="http://schemas.openxmlformats.org/presentationml/2006/main" xmlns:m="http://schemas.openxmlformats.org/officeDocument/2006/math" xmlns:w="http://schemas.openxmlformats.org/wordprocessingml/2006/main" matchingName="" preserve="1" showMasterPhAnim="0" showMasterSp="1" type="vertTitleAndTx" userDrawn="1">
+<p:sldLayout xmlns:a="http://schemas.openxmlformats.org/drawingml/2006/main" xmlns:r="http://schemas.openxmlformats.org/officeDocument/2006/relationships" xmlns:p="http://schemas.openxmlformats.org/presentationml/2006/main" showMasterPhAnim="0" type="vertTitleAndTx" preserve="1" userDrawn="1">
   <p:cSld name="Título vertical e texto">
     <p:spTree>
       <p:nvGrpSpPr>
@@ -2285,7 +2341,6 @@
               <a:rPr lang="pt-BR"/>
               <a:t>Clique para editar o estilo</a:t>
             </a:r>
-            <a:endParaRPr lang="pt-BR"/>
           </a:p>
         </p:txBody>
       </p:sp>
@@ -2356,7 +2411,6 @@
               <a:rPr lang="pt-BR"/>
               <a:t>Quinto nível</a:t>
             </a:r>
-            <a:endParaRPr lang="pt-BR"/>
           </a:p>
         </p:txBody>
       </p:sp>
@@ -2380,7 +2434,7 @@
             </a:pPr>
             <a:fld id="{BCC18F51-09EC-435C-A3BA-64A766E099C0}" type="datetimeFigureOut">
               <a:rPr lang="pt-BR"/>
-              <a:t>30.10.2013</a:t>
+              <a:t>21/08/2025</a:t>
             </a:fld>
             <a:endParaRPr lang="pt-BR"/>
           </a:p>
@@ -2428,7 +2482,7 @@
             </a:pPr>
             <a:fld id="{08395586-F03A-48D1-94DF-16B239DF4FB5}" type="slidenum">
               <a:rPr lang="pt-BR"/>
-              <a:t>‹#›</a:t>
+              <a:t>‹nº›</a:t>
             </a:fld>
             <a:endParaRPr lang="pt-BR"/>
           </a:p>
@@ -2443,7 +2497,7 @@
 </file>
 
 <file path=ppt/slideLayouts/slideLayout2.xml><?xml version="1.0" encoding="utf-8"?>
-<p:sldLayout xmlns:a="http://schemas.openxmlformats.org/drawingml/2006/main" xmlns:r="http://schemas.openxmlformats.org/officeDocument/2006/relationships" xmlns:p="http://schemas.openxmlformats.org/presentationml/2006/main" xmlns:m="http://schemas.openxmlformats.org/officeDocument/2006/math" xmlns:w="http://schemas.openxmlformats.org/wordprocessingml/2006/main" matchingName="" preserve="1" showMasterPhAnim="0" showMasterSp="1" type="obj" userDrawn="1">
+<p:sldLayout xmlns:a="http://schemas.openxmlformats.org/drawingml/2006/main" xmlns:r="http://schemas.openxmlformats.org/officeDocument/2006/relationships" xmlns:p="http://schemas.openxmlformats.org/presentationml/2006/main" showMasterPhAnim="0" type="obj" preserve="1" userDrawn="1">
   <p:cSld name="Título e objecto">
     <p:spTree>
       <p:nvGrpSpPr>
@@ -2481,7 +2535,6 @@
               <a:rPr lang="pt-BR"/>
               <a:t>Clique para editar o estilo</a:t>
             </a:r>
-            <a:endParaRPr lang="pt-BR"/>
           </a:p>
         </p:txBody>
       </p:sp>
@@ -2547,7 +2600,6 @@
               <a:rPr lang="pt-BR"/>
               <a:t>Quinto nível</a:t>
             </a:r>
-            <a:endParaRPr lang="pt-BR"/>
           </a:p>
         </p:txBody>
       </p:sp>
@@ -2571,7 +2623,7 @@
             </a:pPr>
             <a:fld id="{BCC18F51-09EC-435C-A3BA-64A766E099C0}" type="datetimeFigureOut">
               <a:rPr lang="pt-BR"/>
-              <a:t>30.10.2013</a:t>
+              <a:t>21/08/2025</a:t>
             </a:fld>
             <a:endParaRPr lang="pt-BR"/>
           </a:p>
@@ -2619,7 +2671,7 @@
             </a:pPr>
             <a:fld id="{08395586-F03A-48D1-94DF-16B239DF4FB5}" type="slidenum">
               <a:rPr lang="pt-BR"/>
-              <a:t>‹#›</a:t>
+              <a:t>‹nº›</a:t>
             </a:fld>
             <a:endParaRPr lang="pt-BR"/>
           </a:p>
@@ -2634,7 +2686,7 @@
 </file>
 
 <file path=ppt/slideLayouts/slideLayout3.xml><?xml version="1.0" encoding="utf-8"?>
-<p:sldLayout xmlns:a="http://schemas.openxmlformats.org/drawingml/2006/main" xmlns:r="http://schemas.openxmlformats.org/officeDocument/2006/relationships" xmlns:p="http://schemas.openxmlformats.org/presentationml/2006/main" xmlns:m="http://schemas.openxmlformats.org/officeDocument/2006/math" xmlns:w="http://schemas.openxmlformats.org/wordprocessingml/2006/main" matchingName="" preserve="1" showMasterPhAnim="0" showMasterSp="1" type="secHead" userDrawn="1">
+<p:sldLayout xmlns:a="http://schemas.openxmlformats.org/drawingml/2006/main" xmlns:r="http://schemas.openxmlformats.org/officeDocument/2006/relationships" xmlns:p="http://schemas.openxmlformats.org/presentationml/2006/main" showMasterPhAnim="0" type="secHead" preserve="1" userDrawn="1">
   <p:cSld name="Cabeçalho da Secção">
     <p:spTree>
       <p:nvGrpSpPr>
@@ -2681,7 +2733,6 @@
               <a:rPr lang="pt-BR"/>
               <a:t>Clique para editar o estilo</a:t>
             </a:r>
-            <a:endParaRPr lang="pt-BR"/>
           </a:p>
         </p:txBody>
       </p:sp>
@@ -2827,7 +2878,7 @@
             </a:pPr>
             <a:fld id="{BCC18F51-09EC-435C-A3BA-64A766E099C0}" type="datetimeFigureOut">
               <a:rPr lang="pt-BR"/>
-              <a:t>30.10.2013</a:t>
+              <a:t>21/08/2025</a:t>
             </a:fld>
             <a:endParaRPr lang="pt-BR"/>
           </a:p>
@@ -2875,7 +2926,7 @@
             </a:pPr>
             <a:fld id="{08395586-F03A-48D1-94DF-16B239DF4FB5}" type="slidenum">
               <a:rPr lang="pt-BR"/>
-              <a:t>‹#›</a:t>
+              <a:t>‹nº›</a:t>
             </a:fld>
             <a:endParaRPr lang="pt-BR"/>
           </a:p>
@@ -2890,7 +2941,7 @@
 </file>
 
 <file path=ppt/slideLayouts/slideLayout4.xml><?xml version="1.0" encoding="utf-8"?>
-<p:sldLayout xmlns:a="http://schemas.openxmlformats.org/drawingml/2006/main" xmlns:r="http://schemas.openxmlformats.org/officeDocument/2006/relationships" xmlns:p="http://schemas.openxmlformats.org/presentationml/2006/main" xmlns:m="http://schemas.openxmlformats.org/officeDocument/2006/math" xmlns:w="http://schemas.openxmlformats.org/wordprocessingml/2006/main" matchingName="" preserve="1" showMasterPhAnim="0" showMasterSp="1" type="twoObj" userDrawn="1">
+<p:sldLayout xmlns:a="http://schemas.openxmlformats.org/drawingml/2006/main" xmlns:r="http://schemas.openxmlformats.org/officeDocument/2006/relationships" xmlns:p="http://schemas.openxmlformats.org/presentationml/2006/main" showMasterPhAnim="0" type="twoObj" preserve="1" userDrawn="1">
   <p:cSld name="Conteúdo Duplo">
     <p:spTree>
       <p:nvGrpSpPr>
@@ -2928,7 +2979,6 @@
               <a:rPr lang="pt-BR"/>
               <a:t>Clique para editar o estilo</a:t>
             </a:r>
-            <a:endParaRPr lang="pt-BR"/>
           </a:p>
         </p:txBody>
       </p:sp>
@@ -2999,7 +3049,6 @@
               <a:rPr lang="pt-BR"/>
               <a:t>Quinto nível</a:t>
             </a:r>
-            <a:endParaRPr lang="pt-BR"/>
           </a:p>
         </p:txBody>
       </p:sp>
@@ -3070,7 +3119,6 @@
               <a:rPr lang="pt-BR"/>
               <a:t>Quinto nível</a:t>
             </a:r>
-            <a:endParaRPr lang="pt-BR"/>
           </a:p>
         </p:txBody>
       </p:sp>
@@ -3094,7 +3142,7 @@
             </a:pPr>
             <a:fld id="{BCC18F51-09EC-435C-A3BA-64A766E099C0}" type="datetimeFigureOut">
               <a:rPr lang="pt-BR"/>
-              <a:t>30.10.2013</a:t>
+              <a:t>21/08/2025</a:t>
             </a:fld>
             <a:endParaRPr lang="pt-BR"/>
           </a:p>
@@ -3142,7 +3190,7 @@
             </a:pPr>
             <a:fld id="{08395586-F03A-48D1-94DF-16B239DF4FB5}" type="slidenum">
               <a:rPr lang="pt-BR"/>
-              <a:t>‹#›</a:t>
+              <a:t>‹nº›</a:t>
             </a:fld>
             <a:endParaRPr lang="pt-BR"/>
           </a:p>
@@ -3157,7 +3205,7 @@
 </file>
 
 <file path=ppt/slideLayouts/slideLayout5.xml><?xml version="1.0" encoding="utf-8"?>
-<p:sldLayout xmlns:a="http://schemas.openxmlformats.org/drawingml/2006/main" xmlns:r="http://schemas.openxmlformats.org/officeDocument/2006/relationships" xmlns:p="http://schemas.openxmlformats.org/presentationml/2006/main" xmlns:m="http://schemas.openxmlformats.org/officeDocument/2006/math" xmlns:w="http://schemas.openxmlformats.org/wordprocessingml/2006/main" matchingName="" preserve="1" showMasterPhAnim="0" showMasterSp="1" type="twoTxTwoObj" userDrawn="1">
+<p:sldLayout xmlns:a="http://schemas.openxmlformats.org/drawingml/2006/main" xmlns:r="http://schemas.openxmlformats.org/officeDocument/2006/relationships" xmlns:p="http://schemas.openxmlformats.org/presentationml/2006/main" showMasterPhAnim="0" type="twoTxTwoObj" preserve="1" userDrawn="1">
   <p:cSld name="Comparação">
     <p:spTree>
       <p:nvGrpSpPr>
@@ -3200,7 +3248,6 @@
               <a:rPr lang="pt-BR"/>
               <a:t>Clique para editar o estilo</a:t>
             </a:r>
-            <a:endParaRPr lang="pt-BR"/>
           </a:p>
         </p:txBody>
       </p:sp>
@@ -3339,7 +3386,6 @@
               <a:rPr lang="pt-BR"/>
               <a:t>Quinto nível</a:t>
             </a:r>
-            <a:endParaRPr lang="pt-BR"/>
           </a:p>
         </p:txBody>
       </p:sp>
@@ -3478,7 +3524,6 @@
               <a:rPr lang="pt-BR"/>
               <a:t>Quinto nível</a:t>
             </a:r>
-            <a:endParaRPr lang="pt-BR"/>
           </a:p>
         </p:txBody>
       </p:sp>
@@ -3502,7 +3547,7 @@
             </a:pPr>
             <a:fld id="{BCC18F51-09EC-435C-A3BA-64A766E099C0}" type="datetimeFigureOut">
               <a:rPr lang="pt-BR"/>
-              <a:t>30.10.2013</a:t>
+              <a:t>21/08/2025</a:t>
             </a:fld>
             <a:endParaRPr lang="pt-BR"/>
           </a:p>
@@ -3550,7 +3595,7 @@
             </a:pPr>
             <a:fld id="{08395586-F03A-48D1-94DF-16B239DF4FB5}" type="slidenum">
               <a:rPr lang="pt-BR"/>
-              <a:t>‹#›</a:t>
+              <a:t>‹nº›</a:t>
             </a:fld>
             <a:endParaRPr lang="pt-BR"/>
           </a:p>
@@ -3565,7 +3610,7 @@
 </file>
 
 <file path=ppt/slideLayouts/slideLayout6.xml><?xml version="1.0" encoding="utf-8"?>
-<p:sldLayout xmlns:a="http://schemas.openxmlformats.org/drawingml/2006/main" xmlns:r="http://schemas.openxmlformats.org/officeDocument/2006/relationships" xmlns:p="http://schemas.openxmlformats.org/presentationml/2006/main" xmlns:m="http://schemas.openxmlformats.org/officeDocument/2006/math" xmlns:w="http://schemas.openxmlformats.org/wordprocessingml/2006/main" matchingName="" preserve="1" showMasterPhAnim="0" showMasterSp="1" type="titleOnly" userDrawn="1">
+<p:sldLayout xmlns:a="http://schemas.openxmlformats.org/drawingml/2006/main" xmlns:r="http://schemas.openxmlformats.org/officeDocument/2006/relationships" xmlns:p="http://schemas.openxmlformats.org/presentationml/2006/main" showMasterPhAnim="0" type="titleOnly" preserve="1" userDrawn="1">
   <p:cSld name="Só título">
     <p:spTree>
       <p:nvGrpSpPr>
@@ -3603,7 +3648,6 @@
               <a:rPr lang="pt-BR"/>
               <a:t>Clique para editar o estilo</a:t>
             </a:r>
-            <a:endParaRPr lang="pt-BR"/>
           </a:p>
         </p:txBody>
       </p:sp>
@@ -3627,7 +3671,7 @@
             </a:pPr>
             <a:fld id="{BCC18F51-09EC-435C-A3BA-64A766E099C0}" type="datetimeFigureOut">
               <a:rPr lang="pt-BR"/>
-              <a:t>30.10.2013</a:t>
+              <a:t>21/08/2025</a:t>
             </a:fld>
             <a:endParaRPr lang="pt-BR"/>
           </a:p>
@@ -3675,7 +3719,7 @@
             </a:pPr>
             <a:fld id="{08395586-F03A-48D1-94DF-16B239DF4FB5}" type="slidenum">
               <a:rPr lang="pt-BR"/>
-              <a:t>‹#›</a:t>
+              <a:t>‹nº›</a:t>
             </a:fld>
             <a:endParaRPr lang="pt-BR"/>
           </a:p>
@@ -3690,7 +3734,7 @@
 </file>
 
 <file path=ppt/slideLayouts/slideLayout7.xml><?xml version="1.0" encoding="utf-8"?>
-<p:sldLayout xmlns:a="http://schemas.openxmlformats.org/drawingml/2006/main" xmlns:r="http://schemas.openxmlformats.org/officeDocument/2006/relationships" xmlns:p="http://schemas.openxmlformats.org/presentationml/2006/main" xmlns:m="http://schemas.openxmlformats.org/officeDocument/2006/math" xmlns:w="http://schemas.openxmlformats.org/wordprocessingml/2006/main" matchingName="" preserve="1" showMasterPhAnim="0" showMasterSp="1" type="blank" userDrawn="1">
+<p:sldLayout xmlns:a="http://schemas.openxmlformats.org/drawingml/2006/main" xmlns:r="http://schemas.openxmlformats.org/officeDocument/2006/relationships" xmlns:p="http://schemas.openxmlformats.org/presentationml/2006/main" showMasterPhAnim="0" type="blank" preserve="1" userDrawn="1">
   <p:cSld name="Em branco">
     <p:spTree>
       <p:nvGrpSpPr>
@@ -3726,7 +3770,7 @@
             </a:pPr>
             <a:fld id="{BCC18F51-09EC-435C-A3BA-64A766E099C0}" type="datetimeFigureOut">
               <a:rPr lang="pt-BR"/>
-              <a:t>30.10.2013</a:t>
+              <a:t>21/08/2025</a:t>
             </a:fld>
             <a:endParaRPr lang="pt-BR"/>
           </a:p>
@@ -3774,7 +3818,7 @@
             </a:pPr>
             <a:fld id="{08395586-F03A-48D1-94DF-16B239DF4FB5}" type="slidenum">
               <a:rPr lang="pt-BR"/>
-              <a:t>‹#›</a:t>
+              <a:t>‹nº›</a:t>
             </a:fld>
             <a:endParaRPr lang="pt-BR"/>
           </a:p>
@@ -3789,7 +3833,7 @@
 </file>
 
 <file path=ppt/slideLayouts/slideLayout8.xml><?xml version="1.0" encoding="utf-8"?>
-<p:sldLayout xmlns:a="http://schemas.openxmlformats.org/drawingml/2006/main" xmlns:r="http://schemas.openxmlformats.org/officeDocument/2006/relationships" xmlns:p="http://schemas.openxmlformats.org/presentationml/2006/main" xmlns:m="http://schemas.openxmlformats.org/officeDocument/2006/math" xmlns:w="http://schemas.openxmlformats.org/wordprocessingml/2006/main" matchingName="" preserve="1" showMasterPhAnim="0" showMasterSp="1" type="objTx" userDrawn="1">
+<p:sldLayout xmlns:a="http://schemas.openxmlformats.org/drawingml/2006/main" xmlns:r="http://schemas.openxmlformats.org/officeDocument/2006/relationships" xmlns:p="http://schemas.openxmlformats.org/presentationml/2006/main" showMasterPhAnim="0" type="objTx" preserve="1" userDrawn="1">
   <p:cSld name="Conteúdo com Legenda">
     <p:spTree>
       <p:nvGrpSpPr>
@@ -3836,7 +3880,6 @@
               <a:rPr lang="pt-BR"/>
               <a:t>Clique para editar os estilos</a:t>
             </a:r>
-            <a:endParaRPr lang="pt-BR"/>
           </a:p>
         </p:txBody>
       </p:sp>
@@ -3935,7 +3978,6 @@
               <a:rPr lang="pt-BR"/>
               <a:t>Quinto nível</a:t>
             </a:r>
-            <a:endParaRPr lang="pt-BR"/>
           </a:p>
         </p:txBody>
       </p:sp>
@@ -4027,7 +4069,7 @@
             </a:pPr>
             <a:fld id="{BCC18F51-09EC-435C-A3BA-64A766E099C0}" type="datetimeFigureOut">
               <a:rPr lang="pt-BR"/>
-              <a:t>30.10.2013</a:t>
+              <a:t>21/08/2025</a:t>
             </a:fld>
             <a:endParaRPr lang="pt-BR"/>
           </a:p>
@@ -4075,7 +4117,7 @@
             </a:pPr>
             <a:fld id="{08395586-F03A-48D1-94DF-16B239DF4FB5}" type="slidenum">
               <a:rPr lang="pt-BR"/>
-              <a:t>‹#›</a:t>
+              <a:t>‹nº›</a:t>
             </a:fld>
             <a:endParaRPr lang="pt-BR"/>
           </a:p>
@@ -4090,7 +4132,7 @@
 </file>
 
 <file path=ppt/slideLayouts/slideLayout9.xml><?xml version="1.0" encoding="utf-8"?>
-<p:sldLayout xmlns:a="http://schemas.openxmlformats.org/drawingml/2006/main" xmlns:r="http://schemas.openxmlformats.org/officeDocument/2006/relationships" xmlns:p="http://schemas.openxmlformats.org/presentationml/2006/main" xmlns:m="http://schemas.openxmlformats.org/officeDocument/2006/math" xmlns:w="http://schemas.openxmlformats.org/wordprocessingml/2006/main" matchingName="" preserve="1" showMasterPhAnim="0" showMasterSp="1" type="picTx" userDrawn="1">
+<p:sldLayout xmlns:a="http://schemas.openxmlformats.org/drawingml/2006/main" xmlns:r="http://schemas.openxmlformats.org/officeDocument/2006/relationships" xmlns:p="http://schemas.openxmlformats.org/presentationml/2006/main" showMasterPhAnim="0" type="picTx" preserve="1" userDrawn="1">
   <p:cSld name="Imagem com Legenda">
     <p:spTree>
       <p:nvGrpSpPr>
@@ -4137,7 +4179,6 @@
               <a:rPr lang="pt-BR"/>
               <a:t>Clique para editar o estilo</a:t>
             </a:r>
-            <a:endParaRPr lang="pt-BR"/>
           </a:p>
         </p:txBody>
       </p:sp>
@@ -4145,7 +4186,7 @@
         <p:nvSpPr>
           <p:cNvPr id="403911476" name="Marcador de Posição da Imagem 2"/>
           <p:cNvSpPr>
-            <a:spLocks noChangeAspect="1" noGrp="1"/>
+            <a:spLocks noGrp="1" noChangeAspect="1"/>
           </p:cNvSpPr>
           <p:nvPr>
             <p:ph type="pic" idx="1"/>
@@ -4205,7 +4246,6 @@
               <a:rPr lang="pt-BR"/>
               <a:t>Clique no ícone para adicionar imagem</a:t>
             </a:r>
-            <a:endParaRPr lang="pt-BR"/>
           </a:p>
         </p:txBody>
       </p:sp>
@@ -4297,7 +4337,7 @@
             </a:pPr>
             <a:fld id="{BCC18F51-09EC-435C-A3BA-64A766E099C0}" type="datetimeFigureOut">
               <a:rPr lang="pt-BR"/>
-              <a:t>30.10.2013</a:t>
+              <a:t>21/08/2025</a:t>
             </a:fld>
             <a:endParaRPr lang="pt-BR"/>
           </a:p>
@@ -4345,7 +4385,7 @@
             </a:pPr>
             <a:fld id="{08395586-F03A-48D1-94DF-16B239DF4FB5}" type="slidenum">
               <a:rPr lang="pt-BR"/>
-              <a:t>‹#›</a:t>
+              <a:t>‹nº›</a:t>
             </a:fld>
             <a:endParaRPr lang="pt-BR"/>
           </a:p>
@@ -4360,16 +4400,17 @@
 </file>
 
 <file path=ppt/slideMasters/slideMaster1.xml><?xml version="1.0" encoding="utf-8"?>
-<p:sldMaster xmlns:a="http://schemas.openxmlformats.org/drawingml/2006/main" xmlns:r="http://schemas.openxmlformats.org/officeDocument/2006/relationships" xmlns:p="http://schemas.openxmlformats.org/presentationml/2006/main" xmlns:m="http://schemas.openxmlformats.org/officeDocument/2006/math" xmlns:w="http://schemas.openxmlformats.org/wordprocessingml/2006/main" preserve="0">
-  <p:cSld name="">
+<p:sldMaster xmlns:a="http://schemas.openxmlformats.org/drawingml/2006/main" xmlns:r="http://schemas.openxmlformats.org/officeDocument/2006/relationships" xmlns:p="http://schemas.openxmlformats.org/presentationml/2006/main">
+  <p:cSld>
     <p:bg>
-      <p:bgPr shadeToTitle="0">
+      <p:bgPr>
         <a:solidFill>
           <a:schemeClr val="bg1">
             <a:lumMod val="85000"/>
             <a:alpha val="99999"/>
           </a:schemeClr>
         </a:solidFill>
+        <a:effectLst/>
       </p:bgPr>
     </p:bg>
     <p:spTree>
@@ -4418,7 +4459,6 @@
               <a:rPr lang="pt-BR"/>
               <a:t>Clique para editar o estilo</a:t>
             </a:r>
-            <a:endParaRPr lang="pt-BR"/>
           </a:p>
         </p:txBody>
       </p:sp>
@@ -4494,7 +4534,6 @@
               <a:rPr lang="pt-BR"/>
               <a:t>Quinto nível</a:t>
             </a:r>
-            <a:endParaRPr lang="pt-BR"/>
           </a:p>
         </p:txBody>
       </p:sp>
@@ -4536,7 +4575,7 @@
             </a:pPr>
             <a:fld id="{BCC18F51-09EC-435C-A3BA-64A766E099C0}" type="datetimeFigureOut">
               <a:rPr lang="pt-BR"/>
-              <a:t>30.10.2013</a:t>
+              <a:t>21/08/2025</a:t>
             </a:fld>
             <a:endParaRPr lang="pt-BR"/>
           </a:p>
@@ -4620,7 +4659,7 @@
             </a:pPr>
             <a:fld id="{08395586-F03A-48D1-94DF-16B239DF4FB5}" type="slidenum">
               <a:rPr lang="pt-BR"/>
-              <a:t>‹#›</a:t>
+              <a:t>‹nº›</a:t>
             </a:fld>
             <a:endParaRPr lang="pt-BR"/>
           </a:p>
@@ -4926,8 +4965,8 @@
 </file>
 
 <file path=ppt/slides/slide1.xml><?xml version="1.0" encoding="utf-8"?>
-<p:sld xmlns:a="http://schemas.openxmlformats.org/drawingml/2006/main" xmlns:r="http://schemas.openxmlformats.org/officeDocument/2006/relationships" xmlns:p="http://schemas.openxmlformats.org/presentationml/2006/main" xmlns:m="http://schemas.openxmlformats.org/officeDocument/2006/math" xmlns:w="http://schemas.openxmlformats.org/wordprocessingml/2006/main" xmlns:mc="http://schemas.openxmlformats.org/markup-compatibility/2006" showMasterPhAnim="0" showMasterSp="1" show="1">
-  <p:cSld name="">
+<p:sld xmlns:a="http://schemas.openxmlformats.org/drawingml/2006/main" xmlns:r="http://schemas.openxmlformats.org/officeDocument/2006/relationships" xmlns:p="http://schemas.openxmlformats.org/presentationml/2006/main" showMasterPhAnim="0">
+  <p:cSld>
     <p:spTree>
       <p:nvGrpSpPr>
         <p:cNvPr id="1" name=""/>
@@ -4944,12 +4983,12 @@
       </p:grpSpPr>
       <p:sp>
         <p:nvSpPr>
-          <p:cNvPr id="1698791241" name=""/>
+          <p:cNvPr id="1698791241" name="Elipse 1698791240"/>
           <p:cNvSpPr/>
           <p:nvPr/>
         </p:nvSpPr>
         <p:spPr bwMode="auto">
-          <a:xfrm flipH="0" flipV="0">
+          <a:xfrm>
             <a:off x="-1243055" y="4182021"/>
             <a:ext cx="5127221" cy="4165867"/>
           </a:xfrm>
@@ -4991,12 +5030,12 @@
       </p:sp>
       <p:sp>
         <p:nvSpPr>
-          <p:cNvPr id="7868067" name=""/>
+          <p:cNvPr id="7868067" name="Elipse 7868066"/>
           <p:cNvSpPr/>
           <p:nvPr/>
         </p:nvSpPr>
         <p:spPr bwMode="auto">
-          <a:xfrm flipH="0" flipV="0">
+          <a:xfrm>
             <a:off x="7325833" y="-1062345"/>
             <a:ext cx="6387502" cy="5189845"/>
           </a:xfrm>
@@ -5038,12 +5077,12 @@
       </p:sp>
       <p:sp>
         <p:nvSpPr>
-          <p:cNvPr id="1208669526" name=""/>
+          <p:cNvPr id="1208669526" name="CaixaDeTexto 1208669525"/>
           <p:cNvSpPr txBox="1"/>
           <p:nvPr/>
         </p:nvSpPr>
         <p:spPr bwMode="auto">
-          <a:xfrm flipH="0" flipV="0">
+          <a:xfrm>
             <a:off x="1846553" y="3108959"/>
             <a:ext cx="9021947" cy="640440"/>
           </a:xfrm>
@@ -5053,9 +5092,10 @@
           <a:noFill/>
         </p:spPr>
         <p:txBody>
-          <a:bodyPr vertOverflow="overflow" horzOverflow="overflow" vert="horz" wrap="none" lIns="91440" tIns="45720" rIns="91440" bIns="45720" numCol="1" spcCol="0" rtlCol="0" fromWordArt="0" anchor="ctr" anchorCtr="0" forceAA="0" upright="0" compatLnSpc="0">
+          <a:bodyPr vertOverflow="overflow" horzOverflow="overflow" vert="horz" wrap="none" lIns="91440" tIns="45720" rIns="91440" bIns="45720" numCol="1" spcCol="0" rtlCol="0" fromWordArt="0" anchor="ctr" anchorCtr="0" forceAA="0" compatLnSpc="0">
             <a:spAutoFit/>
           </a:bodyPr>
+          <a:lstStyle/>
           <a:p>
             <a:pPr algn="ctr">
               <a:defRPr/>
@@ -5077,12 +5117,12 @@
       </p:sp>
       <p:sp>
         <p:nvSpPr>
-          <p:cNvPr id="1415003606" name=""/>
+          <p:cNvPr id="1415003606" name="CaixaDeTexto 1415003605"/>
           <p:cNvSpPr txBox="1"/>
           <p:nvPr/>
         </p:nvSpPr>
         <p:spPr bwMode="auto">
-          <a:xfrm flipH="0" flipV="0">
+          <a:xfrm>
             <a:off x="11068" y="4363480"/>
             <a:ext cx="11874079" cy="640440"/>
           </a:xfrm>
@@ -5092,9 +5132,10 @@
           <a:noFill/>
         </p:spPr>
         <p:txBody>
-          <a:bodyPr vertOverflow="overflow" horzOverflow="overflow" vert="horz" wrap="none" lIns="91440" tIns="45720" rIns="91440" bIns="45720" numCol="1" spcCol="0" rtlCol="0" fromWordArt="0" anchor="ctr" anchorCtr="0" forceAA="0" upright="0" compatLnSpc="0">
+          <a:bodyPr vertOverflow="overflow" horzOverflow="overflow" vert="horz" wrap="none" lIns="91440" tIns="45720" rIns="91440" bIns="45720" numCol="1" spcCol="0" rtlCol="0" fromWordArt="0" anchor="ctr" anchorCtr="0" forceAA="0" compatLnSpc="0">
             <a:spAutoFit/>
           </a:bodyPr>
+          <a:lstStyle/>
           <a:p>
             <a:pPr>
               <a:defRPr/>
@@ -5116,7 +5157,7 @@
       </p:sp>
       <p:pic>
         <p:nvPicPr>
-          <p:cNvPr id="1301116130" name=""/>
+          <p:cNvPr id="1301116130" name="Imagem 1301116129"/>
           <p:cNvPicPr>
             <a:picLocks noChangeAspect="1"/>
           </p:cNvPicPr>
@@ -5141,20 +5182,12 @@
   <p:clrMapOvr>
     <a:masterClrMapping/>
   </p:clrMapOvr>
-  <mc:AlternateContent xmlns:mc="http://schemas.openxmlformats.org/markup-compatibility/2006">
-    <mc:Choice xmlns:p159="http://schemas.microsoft.com/office/powerpoint/2015/09/main" xmlns:p14="http://schemas.microsoft.com/office/powerpoint/2010/main" Requires="p159">
-      <p:transition p14:dur="2000" advClick="1"/>
-    </mc:Choice>
-    <mc:Fallback>
-      <p:transition advClick="1"/>
-    </mc:Fallback>
-  </mc:AlternateContent>
 </p:sld>
 </file>
 
 <file path=ppt/slides/slide10.xml><?xml version="1.0" encoding="utf-8"?>
-<p:sld xmlns:a="http://schemas.openxmlformats.org/drawingml/2006/main" xmlns:r="http://schemas.openxmlformats.org/officeDocument/2006/relationships" xmlns:p="http://schemas.openxmlformats.org/presentationml/2006/main" xmlns:m="http://schemas.openxmlformats.org/officeDocument/2006/math" xmlns:w="http://schemas.openxmlformats.org/wordprocessingml/2006/main" xmlns:mc="http://schemas.openxmlformats.org/markup-compatibility/2006" showMasterPhAnim="0" showMasterSp="1" show="1">
-  <p:cSld name="">
+<p:sld xmlns:a="http://schemas.openxmlformats.org/drawingml/2006/main" xmlns:r="http://schemas.openxmlformats.org/officeDocument/2006/relationships" xmlns:p="http://schemas.openxmlformats.org/presentationml/2006/main" showMasterPhAnim="0">
+  <p:cSld>
     <p:spTree>
       <p:nvGrpSpPr>
         <p:cNvPr id="1" name=""/>
@@ -5171,12 +5204,12 @@
       </p:grpSpPr>
       <p:sp>
         <p:nvSpPr>
-          <p:cNvPr id="817790372" name=""/>
+          <p:cNvPr id="817790372" name="CaixaDeTexto 817790371"/>
           <p:cNvSpPr txBox="1"/>
           <p:nvPr/>
         </p:nvSpPr>
         <p:spPr bwMode="auto">
-          <a:xfrm flipH="0" flipV="0">
+          <a:xfrm>
             <a:off x="369374" y="1179514"/>
             <a:ext cx="6718905" cy="1189079"/>
           </a:xfrm>
@@ -5186,9 +5219,10 @@
           <a:noFill/>
         </p:spPr>
         <p:txBody>
-          <a:bodyPr vertOverflow="overflow" horzOverflow="overflow" vert="horz" wrap="square" lIns="91440" tIns="45720" rIns="91440" bIns="45720" numCol="1" spcCol="0" rtlCol="0" fromWordArt="0" anchor="t" anchorCtr="0" forceAA="0" upright="0" compatLnSpc="0">
+          <a:bodyPr vertOverflow="overflow" horzOverflow="overflow" vert="horz" wrap="square" lIns="91440" tIns="45720" rIns="91440" bIns="45720" numCol="1" spcCol="0" rtlCol="0" fromWordArt="0" anchor="t" anchorCtr="0" forceAA="0" compatLnSpc="0">
             <a:spAutoFit/>
           </a:bodyPr>
+          <a:lstStyle/>
           <a:p>
             <a:pPr algn="l">
               <a:defRPr/>
@@ -5210,12 +5244,12 @@
       </p:sp>
       <p:sp>
         <p:nvSpPr>
-          <p:cNvPr id="77660174" name=""/>
+          <p:cNvPr id="77660174" name="CaixaDeTexto 77660173"/>
           <p:cNvSpPr txBox="1"/>
           <p:nvPr/>
         </p:nvSpPr>
         <p:spPr bwMode="auto">
-          <a:xfrm flipH="0" flipV="0">
+          <a:xfrm>
             <a:off x="274419" y="2620780"/>
             <a:ext cx="5344437" cy="823319"/>
           </a:xfrm>
@@ -5225,9 +5259,10 @@
           <a:noFill/>
         </p:spPr>
         <p:txBody>
-          <a:bodyPr vertOverflow="overflow" horzOverflow="overflow" vert="horz" wrap="square" lIns="91440" tIns="45720" rIns="91440" bIns="45720" numCol="1" spcCol="0" rtlCol="0" fromWordArt="0" anchor="t" anchorCtr="0" forceAA="0" upright="0" compatLnSpc="0">
+          <a:bodyPr vertOverflow="overflow" horzOverflow="overflow" vert="horz" wrap="square" lIns="91440" tIns="45720" rIns="91440" bIns="45720" numCol="1" spcCol="0" rtlCol="0" fromWordArt="0" anchor="t" anchorCtr="0" forceAA="0" compatLnSpc="0">
             <a:spAutoFit/>
           </a:bodyPr>
+          <a:lstStyle/>
           <a:p>
             <a:pPr>
               <a:lnSpc>
@@ -5258,12 +5293,12 @@
       </p:sp>
       <p:sp>
         <p:nvSpPr>
-          <p:cNvPr id="1002730173" name=""/>
+          <p:cNvPr id="1002730173" name="CaixaDeTexto 1002730172"/>
           <p:cNvSpPr txBox="1"/>
           <p:nvPr/>
         </p:nvSpPr>
         <p:spPr bwMode="auto">
-          <a:xfrm flipH="0" flipV="0">
+          <a:xfrm>
             <a:off x="369374" y="3350620"/>
             <a:ext cx="5345517" cy="2652119"/>
           </a:xfrm>
@@ -5273,9 +5308,10 @@
           <a:noFill/>
         </p:spPr>
         <p:txBody>
-          <a:bodyPr vertOverflow="overflow" horzOverflow="overflow" vert="horz" wrap="square" lIns="91440" tIns="45720" rIns="91440" bIns="45720" numCol="1" spcCol="0" rtlCol="0" fromWordArt="0" anchor="t" anchorCtr="0" forceAA="0" upright="0" compatLnSpc="0">
+          <a:bodyPr vertOverflow="overflow" horzOverflow="overflow" vert="horz" wrap="square" lIns="91440" tIns="45720" rIns="91440" bIns="45720" numCol="1" spcCol="0" rtlCol="0" fromWordArt="0" anchor="t" anchorCtr="0" forceAA="0" compatLnSpc="0">
             <a:spAutoFit/>
           </a:bodyPr>
+          <a:lstStyle/>
           <a:p>
             <a:pPr marL="261850" indent="-261850">
               <a:lnSpc>
@@ -5476,7 +5512,7 @@
       </p:sp>
       <p:pic>
         <p:nvPicPr>
-          <p:cNvPr id="824841360" name=""/>
+          <p:cNvPr id="824841360" name="Imagem 824841359"/>
           <p:cNvPicPr>
             <a:picLocks noChangeAspect="1"/>
           </p:cNvPicPr>
@@ -5501,20 +5537,12 @@
   <p:clrMapOvr>
     <a:masterClrMapping/>
   </p:clrMapOvr>
-  <mc:AlternateContent xmlns:mc="http://schemas.openxmlformats.org/markup-compatibility/2006">
-    <mc:Choice xmlns:p159="http://schemas.microsoft.com/office/powerpoint/2015/09/main" xmlns:p14="http://schemas.microsoft.com/office/powerpoint/2010/main" Requires="p159">
-      <p:transition p14:dur="2000" advClick="1"/>
-    </mc:Choice>
-    <mc:Fallback>
-      <p:transition advClick="1"/>
-    </mc:Fallback>
-  </mc:AlternateContent>
 </p:sld>
 </file>
 
 <file path=ppt/slides/slide11.xml><?xml version="1.0" encoding="utf-8"?>
-<p:sld xmlns:a="http://schemas.openxmlformats.org/drawingml/2006/main" xmlns:r="http://schemas.openxmlformats.org/officeDocument/2006/relationships" xmlns:p="http://schemas.openxmlformats.org/presentationml/2006/main" xmlns:m="http://schemas.openxmlformats.org/officeDocument/2006/math" xmlns:w="http://schemas.openxmlformats.org/wordprocessingml/2006/main" xmlns:mc="http://schemas.openxmlformats.org/markup-compatibility/2006" showMasterPhAnim="0" showMasterSp="1" show="1">
-  <p:cSld name="">
+<p:sld xmlns:a="http://schemas.openxmlformats.org/drawingml/2006/main" xmlns:r="http://schemas.openxmlformats.org/officeDocument/2006/relationships" xmlns:p="http://schemas.openxmlformats.org/presentationml/2006/main" showMasterPhAnim="0">
+  <p:cSld>
     <p:spTree>
       <p:nvGrpSpPr>
         <p:cNvPr id="1" name=""/>
@@ -5531,12 +5559,12 @@
       </p:grpSpPr>
       <p:sp>
         <p:nvSpPr>
-          <p:cNvPr id="945920509" name=""/>
+          <p:cNvPr id="945920509" name="CaixaDeTexto 945920508"/>
           <p:cNvSpPr txBox="1"/>
           <p:nvPr/>
         </p:nvSpPr>
         <p:spPr bwMode="auto">
-          <a:xfrm flipH="0" flipV="0">
+          <a:xfrm>
             <a:off x="199284" y="2449514"/>
             <a:ext cx="6727546" cy="640440"/>
           </a:xfrm>
@@ -5546,9 +5574,10 @@
           <a:noFill/>
         </p:spPr>
         <p:txBody>
-          <a:bodyPr vertOverflow="overflow" horzOverflow="overflow" vert="horz" wrap="square" lIns="91440" tIns="45720" rIns="91440" bIns="45720" numCol="1" spcCol="0" rtlCol="0" fromWordArt="0" anchor="t" anchorCtr="0" forceAA="0" upright="0" compatLnSpc="0">
+          <a:bodyPr vertOverflow="overflow" horzOverflow="overflow" vert="horz" wrap="square" lIns="91440" tIns="45720" rIns="91440" bIns="45720" numCol="1" spcCol="0" rtlCol="0" fromWordArt="0" anchor="t" anchorCtr="0" forceAA="0" compatLnSpc="0">
             <a:spAutoFit/>
           </a:bodyPr>
+          <a:lstStyle/>
           <a:p>
             <a:pPr algn="l">
               <a:defRPr/>
@@ -5570,12 +5599,12 @@
       </p:sp>
       <p:sp>
         <p:nvSpPr>
-          <p:cNvPr id="906819435" name=""/>
+          <p:cNvPr id="906819435" name="CaixaDeTexto 906819434"/>
           <p:cNvSpPr txBox="1"/>
           <p:nvPr/>
         </p:nvSpPr>
         <p:spPr bwMode="auto">
-          <a:xfrm flipH="0" flipV="0">
+          <a:xfrm>
             <a:off x="274419" y="3195523"/>
             <a:ext cx="5353796" cy="1920599"/>
           </a:xfrm>
@@ -5585,9 +5614,10 @@
           <a:noFill/>
         </p:spPr>
         <p:txBody>
-          <a:bodyPr vertOverflow="overflow" horzOverflow="overflow" vert="horz" wrap="square" lIns="91440" tIns="45720" rIns="91440" bIns="45720" numCol="1" spcCol="0" rtlCol="0" fromWordArt="0" anchor="t" anchorCtr="0" forceAA="0" upright="0" compatLnSpc="0">
+          <a:bodyPr vertOverflow="overflow" horzOverflow="overflow" vert="horz" wrap="square" lIns="91440" tIns="45720" rIns="91440" bIns="45720" numCol="1" spcCol="0" rtlCol="0" fromWordArt="0" anchor="t" anchorCtr="0" forceAA="0" compatLnSpc="0">
             <a:spAutoFit/>
           </a:bodyPr>
+          <a:lstStyle/>
           <a:p>
             <a:pPr>
               <a:lnSpc>
@@ -5606,14 +5636,6 @@
               </a:rPr>
               <a:t>O módulo de cadastro de técnicos permite o</a:t>
             </a:r>
-            <a:endParaRPr lang="pt-BR" sz="1600" b="0" i="0" u="none" strike="noStrike" cap="none" spc="0">
-              <a:solidFill>
-                <a:srgbClr val="000000"/>
-              </a:solidFill>
-              <a:latin typeface="Montserrat"/>
-              <a:ea typeface="Montserrat"/>
-              <a:cs typeface="Montserrat"/>
-            </a:endParaRPr>
           </a:p>
           <a:p>
             <a:pPr>
@@ -5659,14 +5681,6 @@
               </a:rPr>
               <a:t>armazenando informações essenciais como nome, e</a:t>
             </a:r>
-            <a:endParaRPr lang="pt-BR" sz="1600" b="0" i="0" u="none" strike="noStrike" cap="none" spc="0">
-              <a:solidFill>
-                <a:srgbClr val="000000"/>
-              </a:solidFill>
-              <a:latin typeface="Montserrat"/>
-              <a:ea typeface="Montserrat"/>
-              <a:cs typeface="Montserrat"/>
-            </a:endParaRPr>
           </a:p>
           <a:p>
             <a:pPr>
@@ -5684,18 +5698,7 @@
                 <a:ea typeface="Montserrat"/>
                 <a:cs typeface="Montserrat"/>
               </a:rPr>
-              <a:t>mail, telefone, </a:t>
-            </a:r>
-            <a:r>
-              <a:rPr lang="pt-BR" sz="1600" b="0" i="0" u="none" strike="noStrike" cap="none" spc="0">
-                <a:solidFill>
-                  <a:srgbClr val="000000"/>
-                </a:solidFill>
-                <a:latin typeface="Montserrat"/>
-                <a:ea typeface="Montserrat"/>
-                <a:cs typeface="Montserrat"/>
-              </a:rPr>
-              <a:t>estado e especialidades de cada profissional.</a:t>
+              <a:t>mail, telefone, estado e especialidades de cada profissional.</a:t>
             </a:r>
             <a:endParaRPr lang="pt-BR" sz="1600" b="0" i="0" u="none" strike="noStrike" cap="none" spc="0">
               <a:solidFill>
@@ -5709,7 +5712,7 @@
       </p:sp>
       <p:pic>
         <p:nvPicPr>
-          <p:cNvPr id="1966808735" name=""/>
+          <p:cNvPr id="1966808735" name="Imagem 1966808734"/>
           <p:cNvPicPr>
             <a:picLocks noChangeAspect="1"/>
           </p:cNvPicPr>
@@ -5734,20 +5737,12 @@
   <p:clrMapOvr>
     <a:masterClrMapping/>
   </p:clrMapOvr>
-  <mc:AlternateContent xmlns:mc="http://schemas.openxmlformats.org/markup-compatibility/2006">
-    <mc:Choice xmlns:p159="http://schemas.microsoft.com/office/powerpoint/2015/09/main" xmlns:p14="http://schemas.microsoft.com/office/powerpoint/2010/main" Requires="p159">
-      <p:transition p14:dur="2000" advClick="1"/>
-    </mc:Choice>
-    <mc:Fallback>
-      <p:transition advClick="1"/>
-    </mc:Fallback>
-  </mc:AlternateContent>
 </p:sld>
 </file>
 
 <file path=ppt/slides/slide12.xml><?xml version="1.0" encoding="utf-8"?>
-<p:sld xmlns:a="http://schemas.openxmlformats.org/drawingml/2006/main" xmlns:r="http://schemas.openxmlformats.org/officeDocument/2006/relationships" xmlns:p="http://schemas.openxmlformats.org/presentationml/2006/main" xmlns:m="http://schemas.openxmlformats.org/officeDocument/2006/math" xmlns:w="http://schemas.openxmlformats.org/wordprocessingml/2006/main" xmlns:mc="http://schemas.openxmlformats.org/markup-compatibility/2006" showMasterPhAnim="0" showMasterSp="1" show="1">
-  <p:cSld name="">
+<p:sld xmlns:a="http://schemas.openxmlformats.org/drawingml/2006/main" xmlns:r="http://schemas.openxmlformats.org/officeDocument/2006/relationships" xmlns:p="http://schemas.openxmlformats.org/presentationml/2006/main" showMasterPhAnim="0">
+  <p:cSld>
     <p:spTree>
       <p:nvGrpSpPr>
         <p:cNvPr id="1" name=""/>
@@ -5764,12 +5759,12 @@
       </p:grpSpPr>
       <p:sp>
         <p:nvSpPr>
-          <p:cNvPr id="2104444704" name=""/>
+          <p:cNvPr id="2104444704" name="CaixaDeTexto 2104444703"/>
           <p:cNvSpPr txBox="1"/>
           <p:nvPr/>
         </p:nvSpPr>
         <p:spPr bwMode="auto">
-          <a:xfrm flipH="0" flipV="0">
+          <a:xfrm>
             <a:off x="6705199" y="82438"/>
             <a:ext cx="6740866" cy="640440"/>
           </a:xfrm>
@@ -5779,9 +5774,10 @@
           <a:noFill/>
         </p:spPr>
         <p:txBody>
-          <a:bodyPr vertOverflow="overflow" horzOverflow="overflow" vert="horz" wrap="square" lIns="91440" tIns="45720" rIns="91440" bIns="45720" numCol="1" spcCol="0" rtlCol="0" fromWordArt="0" anchor="t" anchorCtr="0" forceAA="0" upright="0" compatLnSpc="0">
+          <a:bodyPr vertOverflow="overflow" horzOverflow="overflow" vert="horz" wrap="square" lIns="91440" tIns="45720" rIns="91440" bIns="45720" numCol="1" spcCol="0" rtlCol="0" fromWordArt="0" anchor="t" anchorCtr="0" forceAA="0" compatLnSpc="0">
             <a:spAutoFit/>
           </a:bodyPr>
+          <a:lstStyle/>
           <a:p>
             <a:pPr algn="l">
               <a:defRPr/>
@@ -5793,21 +5789,17 @@
               </a:rPr>
               <a:t>Gestão de Tarefas</a:t>
             </a:r>
-            <a:endParaRPr sz="3600">
-              <a:latin typeface="Arial Black"/>
-              <a:cs typeface="Arial Black"/>
-            </a:endParaRPr>
-          </a:p>
-        </p:txBody>
-      </p:sp>
-      <p:sp>
-        <p:nvSpPr>
-          <p:cNvPr id="556453416" name=""/>
+          </a:p>
+        </p:txBody>
+      </p:sp>
+      <p:sp>
+        <p:nvSpPr>
+          <p:cNvPr id="556453416" name="CaixaDeTexto 556453415"/>
           <p:cNvSpPr txBox="1"/>
           <p:nvPr/>
         </p:nvSpPr>
         <p:spPr bwMode="auto">
-          <a:xfrm flipH="0" flipV="0">
+          <a:xfrm>
             <a:off x="6618749" y="660879"/>
             <a:ext cx="5348397" cy="1189080"/>
           </a:xfrm>
@@ -5817,9 +5809,10 @@
           <a:noFill/>
         </p:spPr>
         <p:txBody>
-          <a:bodyPr vertOverflow="overflow" horzOverflow="overflow" vert="horz" wrap="square" lIns="91440" tIns="45720" rIns="91440" bIns="45720" numCol="1" spcCol="0" rtlCol="0" fromWordArt="0" anchor="t" anchorCtr="0" forceAA="0" upright="0" compatLnSpc="0">
+          <a:bodyPr vertOverflow="overflow" horzOverflow="overflow" vert="horz" wrap="square" lIns="91440" tIns="45720" rIns="91440" bIns="45720" numCol="1" spcCol="0" rtlCol="0" fromWordArt="0" anchor="t" anchorCtr="0" forceAA="0" compatLnSpc="0">
             <a:spAutoFit/>
           </a:bodyPr>
+          <a:lstStyle/>
           <a:p>
             <a:pPr>
               <a:lnSpc>
@@ -5836,18 +5829,7 @@
                 <a:ea typeface="Montserrat"/>
                 <a:cs typeface="Montserrat"/>
               </a:rPr>
-              <a:t>O sistema oferece gerenciamento completo do fluxo de trabalho operacional, </a:t>
-            </a:r>
-            <a:r>
-              <a:rPr lang="pt-BR" sz="1600" b="0" i="0" u="none" strike="noStrike" cap="none" spc="0">
-                <a:solidFill>
-                  <a:srgbClr val="000000"/>
-                </a:solidFill>
-                <a:latin typeface="Montserrat"/>
-                <a:ea typeface="Montserrat"/>
-                <a:cs typeface="Montserrat"/>
-              </a:rPr>
-              <a:t>permitindo cadastrar, acompanhar e editar tarefas conforme a demanda de cada setor.</a:t>
+              <a:t>O sistema oferece gerenciamento completo do fluxo de trabalho operacional, permitindo cadastrar, acompanhar e editar tarefas conforme a demanda de cada setor.</a:t>
             </a:r>
             <a:endParaRPr lang="pt-BR" sz="1600" b="0" i="0" u="none" strike="noStrike" cap="none" spc="0">
               <a:solidFill>
@@ -5861,12 +5843,12 @@
       </p:sp>
       <p:sp>
         <p:nvSpPr>
-          <p:cNvPr id="625915783" name=""/>
+          <p:cNvPr id="625915783" name="CaixaDeTexto 625915782"/>
           <p:cNvSpPr txBox="1"/>
           <p:nvPr/>
         </p:nvSpPr>
         <p:spPr bwMode="auto">
-          <a:xfrm flipH="0" flipV="0">
+          <a:xfrm>
             <a:off x="6705199" y="1790426"/>
             <a:ext cx="5364236" cy="1554840"/>
           </a:xfrm>
@@ -5876,9 +5858,10 @@
           <a:noFill/>
         </p:spPr>
         <p:txBody>
-          <a:bodyPr vertOverflow="overflow" horzOverflow="overflow" vert="horz" wrap="square" lIns="91440" tIns="45720" rIns="91440" bIns="45720" numCol="1" spcCol="0" rtlCol="0" fromWordArt="0" anchor="t" anchorCtr="0" forceAA="0" upright="0" compatLnSpc="0">
+          <a:bodyPr vertOverflow="overflow" horzOverflow="overflow" vert="horz" wrap="square" lIns="91440" tIns="45720" rIns="91440" bIns="45720" numCol="1" spcCol="0" rtlCol="0" fromWordArt="0" anchor="t" anchorCtr="0" forceAA="0" compatLnSpc="0">
             <a:spAutoFit/>
           </a:bodyPr>
+          <a:lstStyle/>
           <a:p>
             <a:pPr marL="261850" indent="-261850">
               <a:lnSpc>
@@ -5899,14 +5882,6 @@
               </a:rPr>
               <a:t>Cadastro de tarefas com prazos, status e categorias </a:t>
             </a:r>
-            <a:endParaRPr lang="pt-BR" sz="1600" b="0" i="0" u="none" strike="noStrike" cap="none" spc="0">
-              <a:solidFill>
-                <a:schemeClr val="tx1"/>
-              </a:solidFill>
-              <a:latin typeface="Arial"/>
-              <a:ea typeface="Arial"/>
-              <a:cs typeface="Arial"/>
-            </a:endParaRPr>
           </a:p>
           <a:p>
             <a:pPr marL="261850" indent="-261850">
@@ -5928,14 +5903,6 @@
               </a:rPr>
               <a:t>Associação com equipamentos e recursos específicos </a:t>
             </a:r>
-            <a:endParaRPr lang="pt-BR" sz="1600" b="0" i="0" u="none" strike="noStrike" cap="none" spc="0">
-              <a:solidFill>
-                <a:schemeClr val="tx1"/>
-              </a:solidFill>
-              <a:latin typeface="Arial"/>
-              <a:ea typeface="Arial"/>
-              <a:cs typeface="Arial"/>
-            </a:endParaRPr>
           </a:p>
           <a:p>
             <a:pPr marL="261850" indent="-261850">
@@ -5991,7 +5958,7 @@
       </p:sp>
       <p:pic>
         <p:nvPicPr>
-          <p:cNvPr id="85058219" name=""/>
+          <p:cNvPr id="85058219" name="Imagem 85058218"/>
           <p:cNvPicPr>
             <a:picLocks noChangeAspect="1"/>
           </p:cNvPicPr>
@@ -6002,7 +5969,7 @@
           <a:stretch/>
         </p:blipFill>
         <p:spPr bwMode="auto">
-          <a:xfrm flipH="0" flipV="0">
+          <a:xfrm>
             <a:off x="-4185" y="0"/>
             <a:ext cx="5371371" cy="6858000"/>
           </a:xfrm>
@@ -6013,7 +5980,7 @@
       </p:pic>
       <p:pic>
         <p:nvPicPr>
-          <p:cNvPr id="1483112012" name=""/>
+          <p:cNvPr id="1483112012" name="Imagem 1483112011"/>
           <p:cNvPicPr>
             <a:picLocks noChangeAspect="1"/>
           </p:cNvPicPr>
@@ -6024,7 +5991,7 @@
           <a:stretch/>
         </p:blipFill>
         <p:spPr bwMode="auto">
-          <a:xfrm flipH="0" flipV="0">
+          <a:xfrm>
             <a:off x="7200559" y="3266734"/>
             <a:ext cx="3737051" cy="3483944"/>
           </a:xfrm>
@@ -6038,20 +6005,12 @@
   <p:clrMapOvr>
     <a:masterClrMapping/>
   </p:clrMapOvr>
-  <mc:AlternateContent xmlns:mc="http://schemas.openxmlformats.org/markup-compatibility/2006">
-    <mc:Choice xmlns:p159="http://schemas.microsoft.com/office/powerpoint/2015/09/main" xmlns:p14="http://schemas.microsoft.com/office/powerpoint/2010/main" Requires="p159">
-      <p:transition p14:dur="2000" advClick="1"/>
-    </mc:Choice>
-    <mc:Fallback>
-      <p:transition advClick="1"/>
-    </mc:Fallback>
-  </mc:AlternateContent>
 </p:sld>
 </file>
 
 <file path=ppt/slides/slide13.xml><?xml version="1.0" encoding="utf-8"?>
-<p:sld xmlns:a="http://schemas.openxmlformats.org/drawingml/2006/main" xmlns:r="http://schemas.openxmlformats.org/officeDocument/2006/relationships" xmlns:p="http://schemas.openxmlformats.org/presentationml/2006/main" xmlns:m="http://schemas.openxmlformats.org/officeDocument/2006/math" xmlns:w="http://schemas.openxmlformats.org/wordprocessingml/2006/main" xmlns:mc="http://schemas.openxmlformats.org/markup-compatibility/2006" showMasterPhAnim="0" showMasterSp="1" show="1">
-  <p:cSld name="">
+<p:sld xmlns:a="http://schemas.openxmlformats.org/drawingml/2006/main" xmlns:r="http://schemas.openxmlformats.org/officeDocument/2006/relationships" xmlns:p="http://schemas.openxmlformats.org/presentationml/2006/main" showMasterPhAnim="0">
+  <p:cSld>
     <p:spTree>
       <p:nvGrpSpPr>
         <p:cNvPr id="1" name=""/>
@@ -6068,7 +6027,7 @@
       </p:grpSpPr>
       <p:pic>
         <p:nvPicPr>
-          <p:cNvPr id="1133222591" name=""/>
+          <p:cNvPr id="1133222591" name="Imagem 1133222590"/>
           <p:cNvPicPr>
             <a:picLocks noChangeAspect="1"/>
           </p:cNvPicPr>
@@ -6079,9 +6038,9 @@
           <a:stretch/>
         </p:blipFill>
         <p:spPr bwMode="auto">
-          <a:xfrm flipH="0" flipV="0">
-            <a:off x="7356695" y="1869721"/>
-            <a:ext cx="1621825" cy="3236735"/>
+          <a:xfrm>
+            <a:off x="7449918" y="1121618"/>
+            <a:ext cx="2307382" cy="4604922"/>
           </a:xfrm>
           <a:prstGeom prst="rect">
             <a:avLst/>
@@ -6090,7 +6049,7 @@
       </p:pic>
       <p:pic>
         <p:nvPicPr>
-          <p:cNvPr id="1142111042" name=""/>
+          <p:cNvPr id="1142111042" name="Imagem 1142111041"/>
           <p:cNvPicPr>
             <a:picLocks noChangeAspect="1"/>
           </p:cNvPicPr>
@@ -6101,9 +6060,9 @@
           <a:stretch/>
         </p:blipFill>
         <p:spPr bwMode="auto">
-          <a:xfrm flipH="0" flipV="0">
-            <a:off x="5676215" y="1869721"/>
-            <a:ext cx="1618367" cy="3236735"/>
+          <a:xfrm>
+            <a:off x="5026232" y="1116698"/>
+            <a:ext cx="2307382" cy="4614762"/>
           </a:xfrm>
           <a:prstGeom prst="rect">
             <a:avLst/>
@@ -6112,7 +6071,7 @@
       </p:pic>
       <p:pic>
         <p:nvPicPr>
-          <p:cNvPr id="1203924352" name=""/>
+          <p:cNvPr id="1203924352" name="Imagem 1203924351"/>
           <p:cNvPicPr>
             <a:picLocks noChangeAspect="1"/>
           </p:cNvPicPr>
@@ -6123,9 +6082,9 @@
           <a:stretch/>
         </p:blipFill>
         <p:spPr bwMode="auto">
-          <a:xfrm flipH="0" flipV="0">
-            <a:off x="4007066" y="1869721"/>
-            <a:ext cx="1621818" cy="3236735"/>
+          <a:xfrm>
+            <a:off x="2602744" y="1116698"/>
+            <a:ext cx="2307184" cy="4604551"/>
           </a:xfrm>
           <a:prstGeom prst="rect">
             <a:avLst/>
@@ -6134,7 +6093,7 @@
       </p:pic>
       <p:pic>
         <p:nvPicPr>
-          <p:cNvPr id="2147415032" name=""/>
+          <p:cNvPr id="2147415032" name="Imagem 2147415031"/>
           <p:cNvPicPr>
             <a:picLocks noChangeAspect="1"/>
           </p:cNvPicPr>
@@ -6145,66 +6104,56 @@
           <a:stretch/>
         </p:blipFill>
         <p:spPr bwMode="auto">
-          <a:xfrm flipH="0" flipV="0">
-            <a:off x="2339392" y="1869721"/>
-            <a:ext cx="1621825" cy="3236735"/>
+          <a:xfrm>
+            <a:off x="122389" y="1121619"/>
+            <a:ext cx="2312311" cy="4614762"/>
           </a:xfrm>
           <a:prstGeom prst="rect">
             <a:avLst/>
           </a:prstGeom>
         </p:spPr>
       </p:pic>
-      <p:sp>
-        <p:nvSpPr>
-          <p:cNvPr id="811362576" name=""/>
-          <p:cNvSpPr txBox="1"/>
+      <p:pic>
+        <p:nvPicPr>
+          <p:cNvPr id="5" name="Imagem 4">
+            <a:extLst>
+              <a:ext uri="{FF2B5EF4-FFF2-40B4-BE49-F238E27FC236}">
+                <a16:creationId xmlns:a16="http://schemas.microsoft.com/office/drawing/2014/main" id="{7F190907-58EF-44E5-BD27-44376417BF3D}"/>
+              </a:ext>
+            </a:extLst>
+          </p:cNvPr>
+          <p:cNvPicPr>
+            <a:picLocks noChangeAspect="1"/>
+          </p:cNvPicPr>
           <p:nvPr/>
-        </p:nvSpPr>
-        <p:spPr bwMode="auto">
-          <a:xfrm flipH="0" flipV="0">
-            <a:off x="3466944" y="758472"/>
-            <a:ext cx="2953011" cy="366119"/>
+        </p:nvPicPr>
+        <p:blipFill>
+          <a:blip r:embed="rId7"/>
+          <a:stretch>
+            <a:fillRect/>
+          </a:stretch>
+        </p:blipFill>
+        <p:spPr>
+          <a:xfrm>
+            <a:off x="9821865" y="1121618"/>
+            <a:ext cx="2307382" cy="4614764"/>
           </a:xfrm>
           <a:prstGeom prst="rect">
             <a:avLst/>
           </a:prstGeom>
-          <a:noFill/>
-        </p:spPr>
-        <p:txBody>
-          <a:bodyPr vertOverflow="overflow" horzOverflow="overflow" vert="horz" wrap="none" lIns="91440" tIns="45720" rIns="91440" bIns="45720" numCol="1" spcCol="0" rtlCol="0" fromWordArt="0" anchor="t" anchorCtr="0" forceAA="0" upright="0" compatLnSpc="0">
-            <a:spAutoFit/>
-          </a:bodyPr>
-          <a:p>
-            <a:pPr>
-              <a:defRPr/>
-            </a:pPr>
-            <a:r>
-              <a:rPr/>
-              <a:t>falta tela EQUIPAMENTOS</a:t>
-            </a:r>
-            <a:endParaRPr/>
-          </a:p>
-        </p:txBody>
-      </p:sp>
+        </p:spPr>
+      </p:pic>
     </p:spTree>
   </p:cSld>
   <p:clrMapOvr>
     <a:masterClrMapping/>
   </p:clrMapOvr>
-  <mc:AlternateContent xmlns:mc="http://schemas.openxmlformats.org/markup-compatibility/2006">
-    <mc:Choice xmlns:p159="http://schemas.microsoft.com/office/powerpoint/2015/09/main" xmlns:p14="http://schemas.microsoft.com/office/powerpoint/2010/main" Requires="p159">
-      <p:transition p14:dur="2000" advClick="1"/>
-    </mc:Choice>
-    <mc:Fallback>
-      <p:transition advClick="1"/>
-    </mc:Fallback>
-  </mc:AlternateContent>
 </p:sld>
 </file>
 
 <file path=ppt/slides/slide14.xml><?xml version="1.0" encoding="utf-8"?>
-<p:sld xmlns:a="http://schemas.openxmlformats.org/drawingml/2006/main" xmlns:r="http://schemas.openxmlformats.org/officeDocument/2006/relationships" xmlns:p="http://schemas.openxmlformats.org/presentationml/2006/main" xmlns:m="http://schemas.openxmlformats.org/officeDocument/2006/math" xmlns:w="http://schemas.openxmlformats.org/wordprocessingml/2006/main" xmlns:mc="http://schemas.openxmlformats.org/markup-compatibility/2006" showMasterPhAnim="0" showMasterSp="1" show="1">
-  <p:cSld name="">
+<p:sld xmlns:a="http://schemas.openxmlformats.org/drawingml/2006/main" xmlns:r="http://schemas.openxmlformats.org/officeDocument/2006/relationships" xmlns:p="http://schemas.openxmlformats.org/presentationml/2006/main" showMasterPhAnim="0">
+  <p:cSld>
     <p:spTree>
       <p:nvGrpSpPr>
         <p:cNvPr id="1" name=""/>
@@ -6221,12 +6170,12 @@
       </p:grpSpPr>
       <p:sp>
         <p:nvSpPr>
-          <p:cNvPr id="12033246" name=""/>
+          <p:cNvPr id="12033246" name="Elipse 12033245"/>
           <p:cNvSpPr/>
           <p:nvPr/>
         </p:nvSpPr>
         <p:spPr bwMode="auto">
-          <a:xfrm flipH="0" flipV="0">
+          <a:xfrm>
             <a:off x="-1243054" y="4182021"/>
             <a:ext cx="5127220" cy="4165866"/>
           </a:xfrm>
@@ -6268,12 +6217,12 @@
       </p:sp>
       <p:sp>
         <p:nvSpPr>
-          <p:cNvPr id="1348592941" name=""/>
+          <p:cNvPr id="1348592941" name="Elipse 1348592940"/>
           <p:cNvSpPr/>
           <p:nvPr/>
         </p:nvSpPr>
         <p:spPr bwMode="auto">
-          <a:xfrm flipH="0" flipV="0">
+          <a:xfrm>
             <a:off x="7325832" y="-1062344"/>
             <a:ext cx="6387501" cy="5189844"/>
           </a:xfrm>
@@ -6315,12 +6264,12 @@
       </p:sp>
       <p:sp>
         <p:nvSpPr>
-          <p:cNvPr id="1723186401" name=""/>
+          <p:cNvPr id="1723186401" name="CaixaDeTexto 1723186400"/>
           <p:cNvSpPr txBox="1"/>
           <p:nvPr/>
         </p:nvSpPr>
         <p:spPr bwMode="auto">
-          <a:xfrm flipH="0" flipV="0">
+          <a:xfrm>
             <a:off x="4357116" y="1852797"/>
             <a:ext cx="3307863" cy="640440"/>
           </a:xfrm>
@@ -6330,9 +6279,10 @@
           <a:noFill/>
         </p:spPr>
         <p:txBody>
-          <a:bodyPr vertOverflow="overflow" horzOverflow="overflow" vert="horz" wrap="none" lIns="91440" tIns="45720" rIns="91440" bIns="45720" numCol="1" spcCol="0" rtlCol="0" fromWordArt="0" anchor="ctr" anchorCtr="0" forceAA="0" upright="0" compatLnSpc="0">
+          <a:bodyPr vertOverflow="overflow" horzOverflow="overflow" vert="horz" wrap="none" lIns="91440" tIns="45720" rIns="91440" bIns="45720" numCol="1" spcCol="0" rtlCol="0" fromWordArt="0" anchor="ctr" anchorCtr="0" forceAA="0" compatLnSpc="0">
             <a:spAutoFit/>
           </a:bodyPr>
+          <a:lstStyle/>
           <a:p>
             <a:pPr algn="ctr">
               <a:defRPr/>
@@ -6354,12 +6304,12 @@
       </p:sp>
       <p:sp>
         <p:nvSpPr>
-          <p:cNvPr id="859010607" name=""/>
+          <p:cNvPr id="859010607" name="CaixaDeTexto 859010606"/>
           <p:cNvSpPr txBox="1"/>
           <p:nvPr/>
         </p:nvSpPr>
         <p:spPr bwMode="auto">
-          <a:xfrm flipH="0" flipV="0">
+          <a:xfrm>
             <a:off x="1931044" y="2701558"/>
             <a:ext cx="8329910" cy="1920599"/>
           </a:xfrm>
@@ -6369,9 +6319,10 @@
           <a:noFill/>
         </p:spPr>
         <p:txBody>
-          <a:bodyPr vertOverflow="overflow" horzOverflow="overflow" vert="horz" wrap="none" lIns="91440" tIns="45720" rIns="91440" bIns="45720" numCol="1" spcCol="0" rtlCol="0" fromWordArt="0" anchor="ctr" anchorCtr="0" forceAA="0" upright="0" compatLnSpc="0">
+          <a:bodyPr vertOverflow="overflow" horzOverflow="overflow" vert="horz" wrap="none" lIns="91440" tIns="45720" rIns="91440" bIns="45720" numCol="1" spcCol="0" rtlCol="0" fromWordArt="0" anchor="ctr" anchorCtr="0" forceAA="0" compatLnSpc="0">
             <a:spAutoFit/>
           </a:bodyPr>
+          <a:lstStyle/>
           <a:p>
             <a:pPr marL="261850" indent="-261850">
               <a:lnSpc>
@@ -6519,20 +6470,12 @@
   <p:clrMapOvr>
     <a:masterClrMapping/>
   </p:clrMapOvr>
-  <mc:AlternateContent xmlns:mc="http://schemas.openxmlformats.org/markup-compatibility/2006">
-    <mc:Choice xmlns:p159="http://schemas.microsoft.com/office/powerpoint/2015/09/main" xmlns:p14="http://schemas.microsoft.com/office/powerpoint/2010/main" Requires="p159">
-      <p:transition p14:dur="2000" advClick="1"/>
-    </mc:Choice>
-    <mc:Fallback>
-      <p:transition advClick="1"/>
-    </mc:Fallback>
-  </mc:AlternateContent>
 </p:sld>
 </file>
 
 <file path=ppt/slides/slide15.xml><?xml version="1.0" encoding="utf-8"?>
-<p:sld xmlns:a="http://schemas.openxmlformats.org/drawingml/2006/main" xmlns:r="http://schemas.openxmlformats.org/officeDocument/2006/relationships" xmlns:p="http://schemas.openxmlformats.org/presentationml/2006/main" xmlns:m="http://schemas.openxmlformats.org/officeDocument/2006/math" xmlns:w="http://schemas.openxmlformats.org/wordprocessingml/2006/main" xmlns:mc="http://schemas.openxmlformats.org/markup-compatibility/2006" showMasterPhAnim="0" showMasterSp="1" show="1">
-  <p:cSld name="">
+<p:sld xmlns:a="http://schemas.openxmlformats.org/drawingml/2006/main" xmlns:r="http://schemas.openxmlformats.org/officeDocument/2006/relationships" xmlns:p="http://schemas.openxmlformats.org/presentationml/2006/main" showMasterPhAnim="0">
+  <p:cSld>
     <p:spTree>
       <p:nvGrpSpPr>
         <p:cNvPr id="1" name=""/>
@@ -6549,12 +6492,12 @@
       </p:grpSpPr>
       <p:sp>
         <p:nvSpPr>
-          <p:cNvPr id="1848381415" name=""/>
+          <p:cNvPr id="1848381415" name="Elipse 1848381414"/>
           <p:cNvSpPr/>
           <p:nvPr/>
         </p:nvSpPr>
         <p:spPr bwMode="auto">
-          <a:xfrm flipH="0" flipV="0">
+          <a:xfrm>
             <a:off x="-1243054" y="4182021"/>
             <a:ext cx="5127220" cy="4165866"/>
           </a:xfrm>
@@ -6596,12 +6539,12 @@
       </p:sp>
       <p:sp>
         <p:nvSpPr>
-          <p:cNvPr id="46283670" name=""/>
+          <p:cNvPr id="46283670" name="Elipse 46283669"/>
           <p:cNvSpPr/>
           <p:nvPr/>
         </p:nvSpPr>
         <p:spPr bwMode="auto">
-          <a:xfrm flipH="0" flipV="0">
+          <a:xfrm>
             <a:off x="7325832" y="-1062344"/>
             <a:ext cx="6387501" cy="5189844"/>
           </a:xfrm>
@@ -6643,12 +6586,12 @@
       </p:sp>
       <p:sp>
         <p:nvSpPr>
-          <p:cNvPr id="632465703" name=""/>
+          <p:cNvPr id="632465703" name="CaixaDeTexto 632465702"/>
           <p:cNvSpPr txBox="1"/>
           <p:nvPr/>
         </p:nvSpPr>
         <p:spPr bwMode="auto">
-          <a:xfrm flipH="0" flipV="0">
+          <a:xfrm>
             <a:off x="5040680" y="3204693"/>
             <a:ext cx="2596614" cy="640440"/>
           </a:xfrm>
@@ -6658,9 +6601,10 @@
           <a:noFill/>
         </p:spPr>
         <p:txBody>
-          <a:bodyPr vertOverflow="overflow" horzOverflow="overflow" vert="horz" wrap="none" lIns="91440" tIns="45720" rIns="91440" bIns="45720" numCol="1" spcCol="0" rtlCol="0" fromWordArt="0" anchor="ctr" anchorCtr="0" forceAA="0" upright="0" compatLnSpc="0">
+          <a:bodyPr vertOverflow="overflow" horzOverflow="overflow" vert="horz" wrap="none" lIns="91440" tIns="45720" rIns="91440" bIns="45720" numCol="1" spcCol="0" rtlCol="0" fromWordArt="0" anchor="ctr" anchorCtr="0" forceAA="0" compatLnSpc="0">
             <a:spAutoFit/>
           </a:bodyPr>
+          <a:lstStyle/>
           <a:p>
             <a:pPr algn="ctr">
               <a:defRPr/>
@@ -6685,20 +6629,12 @@
   <p:clrMapOvr>
     <a:masterClrMapping/>
   </p:clrMapOvr>
-  <mc:AlternateContent xmlns:mc="http://schemas.openxmlformats.org/markup-compatibility/2006">
-    <mc:Choice xmlns:p159="http://schemas.microsoft.com/office/powerpoint/2015/09/main" xmlns:p14="http://schemas.microsoft.com/office/powerpoint/2010/main" Requires="p159">
-      <p:transition p14:dur="2000" advClick="1"/>
-    </mc:Choice>
-    <mc:Fallback>
-      <p:transition advClick="1"/>
-    </mc:Fallback>
-  </mc:AlternateContent>
 </p:sld>
 </file>
 
 <file path=ppt/slides/slide2.xml><?xml version="1.0" encoding="utf-8"?>
-<p:sld xmlns:a="http://schemas.openxmlformats.org/drawingml/2006/main" xmlns:r="http://schemas.openxmlformats.org/officeDocument/2006/relationships" xmlns:p="http://schemas.openxmlformats.org/presentationml/2006/main" xmlns:m="http://schemas.openxmlformats.org/officeDocument/2006/math" xmlns:w="http://schemas.openxmlformats.org/wordprocessingml/2006/main" xmlns:mc="http://schemas.openxmlformats.org/markup-compatibility/2006" showMasterPhAnim="0" showMasterSp="1" show="1">
-  <p:cSld name="">
+<p:sld xmlns:a="http://schemas.openxmlformats.org/drawingml/2006/main" xmlns:r="http://schemas.openxmlformats.org/officeDocument/2006/relationships" xmlns:p="http://schemas.openxmlformats.org/presentationml/2006/main" showMasterPhAnim="0">
+  <p:cSld>
     <p:spTree>
       <p:nvGrpSpPr>
         <p:cNvPr id="1" name=""/>
@@ -6715,12 +6651,12 @@
       </p:grpSpPr>
       <p:sp>
         <p:nvSpPr>
-          <p:cNvPr id="1926863996" name=""/>
+          <p:cNvPr id="1926863996" name="Elipse 1926863995"/>
           <p:cNvSpPr/>
           <p:nvPr/>
         </p:nvSpPr>
         <p:spPr bwMode="auto">
-          <a:xfrm flipH="0" flipV="0">
+          <a:xfrm>
             <a:off x="-1243054" y="4182021"/>
             <a:ext cx="5127220" cy="4165866"/>
           </a:xfrm>
@@ -6762,12 +6698,12 @@
       </p:sp>
       <p:sp>
         <p:nvSpPr>
-          <p:cNvPr id="1838987961" name=""/>
+          <p:cNvPr id="1838987961" name="Elipse 1838987960"/>
           <p:cNvSpPr/>
           <p:nvPr/>
         </p:nvSpPr>
         <p:spPr bwMode="auto">
-          <a:xfrm flipH="0" flipV="0">
+          <a:xfrm>
             <a:off x="7325832" y="-1062344"/>
             <a:ext cx="6387501" cy="5189844"/>
           </a:xfrm>
@@ -6809,12 +6745,12 @@
       </p:sp>
       <p:sp>
         <p:nvSpPr>
-          <p:cNvPr id="1908939536" name=""/>
+          <p:cNvPr id="1908939536" name="CaixaDeTexto 1908939535"/>
           <p:cNvSpPr txBox="1"/>
           <p:nvPr/>
         </p:nvSpPr>
         <p:spPr bwMode="auto">
-          <a:xfrm flipH="0" flipV="0">
+          <a:xfrm>
             <a:off x="5220025" y="2836078"/>
             <a:ext cx="1625961" cy="518519"/>
           </a:xfrm>
@@ -6824,9 +6760,10 @@
           <a:noFill/>
         </p:spPr>
         <p:txBody>
-          <a:bodyPr vertOverflow="overflow" horzOverflow="overflow" vert="horz" wrap="none" lIns="91440" tIns="45720" rIns="91440" bIns="45720" numCol="1" spcCol="0" rtlCol="0" fromWordArt="0" anchor="ctr" anchorCtr="0" forceAA="0" upright="0" compatLnSpc="0">
+          <a:bodyPr vertOverflow="overflow" horzOverflow="overflow" vert="horz" wrap="none" lIns="91440" tIns="45720" rIns="91440" bIns="45720" numCol="1" spcCol="0" rtlCol="0" fromWordArt="0" anchor="ctr" anchorCtr="0" forceAA="0" compatLnSpc="0">
             <a:spAutoFit/>
           </a:bodyPr>
+          <a:lstStyle/>
           <a:p>
             <a:pPr algn="ctr">
               <a:defRPr/>
@@ -6848,7 +6785,7 @@
       </p:sp>
       <p:pic>
         <p:nvPicPr>
-          <p:cNvPr id="1646056617" name=""/>
+          <p:cNvPr id="1646056617" name="Imagem 1646056616"/>
           <p:cNvPicPr>
             <a:picLocks noChangeAspect="1"/>
           </p:cNvPicPr>
@@ -6870,14 +6807,14 @@
       </p:pic>
       <p:sp>
         <p:nvSpPr>
-          <p:cNvPr id="773920292" name=""/>
+          <p:cNvPr id="773920292" name="CaixaDeTexto 773920291"/>
           <p:cNvSpPr txBox="1"/>
           <p:nvPr/>
         </p:nvSpPr>
         <p:spPr bwMode="auto">
-          <a:xfrm flipH="0" flipV="0">
-            <a:off x="5260263" y="3351159"/>
-            <a:ext cx="1674352" cy="1554840"/>
+          <a:xfrm>
+            <a:off x="5611568" y="3397032"/>
+            <a:ext cx="971740" cy="1463093"/>
           </a:xfrm>
           <a:prstGeom prst="rect">
             <a:avLst/>
@@ -6885,9 +6822,70 @@
           <a:noFill/>
         </p:spPr>
         <p:txBody>
-          <a:bodyPr vertOverflow="overflow" horzOverflow="overflow" vert="horz" wrap="none" lIns="91440" tIns="45720" rIns="91440" bIns="45720" numCol="1" spcCol="0" rtlCol="0" fromWordArt="0" anchor="ctr" anchorCtr="0" forceAA="0" upright="0" compatLnSpc="0">
+          <a:bodyPr vertOverflow="overflow" horzOverflow="overflow" vert="horz" wrap="none" lIns="91440" tIns="45720" rIns="91440" bIns="45720" numCol="1" spcCol="0" rtlCol="0" fromWordArt="0" anchor="ctr" anchorCtr="0" forceAA="0" compatLnSpc="0">
             <a:spAutoFit/>
           </a:bodyPr>
+          <a:lstStyle/>
+          <a:p>
+            <a:pPr algn="ctr">
+              <a:lnSpc>
+                <a:spcPct val="150000"/>
+              </a:lnSpc>
+              <a:defRPr/>
+            </a:pPr>
+            <a:r>
+              <a:rPr sz="1600" dirty="0">
+                <a:latin typeface="Arial"/>
+                <a:ea typeface="Arial"/>
+                <a:cs typeface="Arial"/>
+              </a:rPr>
+              <a:t>Ariel</a:t>
+            </a:r>
+            <a:endParaRPr sz="1600" dirty="0">
+              <a:latin typeface="Arial"/>
+              <a:cs typeface="Arial"/>
+            </a:endParaRPr>
+          </a:p>
+          <a:p>
+            <a:pPr algn="ctr">
+              <a:lnSpc>
+                <a:spcPct val="150000"/>
+              </a:lnSpc>
+              <a:defRPr/>
+            </a:pPr>
+            <a:r>
+              <a:rPr sz="1600" dirty="0">
+                <a:latin typeface="Arial"/>
+                <a:ea typeface="Arial"/>
+                <a:cs typeface="Arial"/>
+              </a:rPr>
+              <a:t>Daniel</a:t>
+            </a:r>
+            <a:endParaRPr sz="1600" dirty="0">
+              <a:latin typeface="Arial"/>
+              <a:cs typeface="Arial"/>
+            </a:endParaRPr>
+          </a:p>
+          <a:p>
+            <a:pPr algn="ctr">
+              <a:lnSpc>
+                <a:spcPct val="150000"/>
+              </a:lnSpc>
+              <a:defRPr/>
+            </a:pPr>
+            <a:r>
+              <a:rPr sz="1600" dirty="0">
+                <a:latin typeface="Arial"/>
+                <a:ea typeface="Arial"/>
+                <a:cs typeface="Arial"/>
+              </a:rPr>
+              <a:t>Matheus</a:t>
+            </a:r>
+            <a:endParaRPr sz="1600" dirty="0">
+              <a:latin typeface="Arial"/>
+              <a:cs typeface="Arial"/>
+            </a:endParaRPr>
+          </a:p>
           <a:p>
             <a:pPr algn="ctr">
               <a:lnSpc>
@@ -6901,69 +6899,9 @@
                 <a:ea typeface="Arial"/>
                 <a:cs typeface="Arial"/>
               </a:rPr>
-              <a:t>Ariel</a:t>
-            </a:r>
-            <a:endParaRPr sz="1600">
-              <a:latin typeface="Arial"/>
-              <a:cs typeface="Arial"/>
-            </a:endParaRPr>
-          </a:p>
-          <a:p>
-            <a:pPr algn="ctr">
-              <a:lnSpc>
-                <a:spcPct val="150000"/>
-              </a:lnSpc>
-              <a:defRPr/>
-            </a:pPr>
-            <a:r>
-              <a:rPr sz="1600">
-                <a:latin typeface="Arial"/>
-                <a:ea typeface="Arial"/>
-                <a:cs typeface="Arial"/>
-              </a:rPr>
-              <a:t>Carlos Daniel</a:t>
-            </a:r>
-            <a:endParaRPr sz="1600">
-              <a:latin typeface="Arial"/>
-              <a:cs typeface="Arial"/>
-            </a:endParaRPr>
-          </a:p>
-          <a:p>
-            <a:pPr algn="ctr">
-              <a:lnSpc>
-                <a:spcPct val="150000"/>
-              </a:lnSpc>
-              <a:defRPr/>
-            </a:pPr>
-            <a:r>
-              <a:rPr sz="1600">
-                <a:latin typeface="Arial"/>
-                <a:ea typeface="Arial"/>
-                <a:cs typeface="Arial"/>
-              </a:rPr>
-              <a:t>Matheus Gomes</a:t>
-            </a:r>
-            <a:endParaRPr sz="1600">
-              <a:latin typeface="Arial"/>
-              <a:cs typeface="Arial"/>
-            </a:endParaRPr>
-          </a:p>
-          <a:p>
-            <a:pPr algn="ctr">
-              <a:lnSpc>
-                <a:spcPct val="150000"/>
-              </a:lnSpc>
-              <a:defRPr/>
-            </a:pPr>
-            <a:r>
-              <a:rPr sz="1600">
-                <a:latin typeface="Arial"/>
-                <a:ea typeface="Arial"/>
-                <a:cs typeface="Arial"/>
-              </a:rPr>
-              <a:t>Natan Pereira</a:t>
-            </a:r>
-            <a:endParaRPr sz="1600">
+              <a:t>Natan</a:t>
+            </a:r>
+            <a:endParaRPr sz="1600" dirty="0">
               <a:latin typeface="Arial"/>
               <a:cs typeface="Arial"/>
             </a:endParaRPr>
@@ -6975,20 +6913,12 @@
   <p:clrMapOvr>
     <a:masterClrMapping/>
   </p:clrMapOvr>
-  <mc:AlternateContent xmlns:mc="http://schemas.openxmlformats.org/markup-compatibility/2006">
-    <mc:Choice xmlns:p159="http://schemas.microsoft.com/office/powerpoint/2015/09/main" xmlns:p14="http://schemas.microsoft.com/office/powerpoint/2010/main" Requires="p159">
-      <p:transition p14:dur="2000" advClick="1"/>
-    </mc:Choice>
-    <mc:Fallback>
-      <p:transition advClick="1"/>
-    </mc:Fallback>
-  </mc:AlternateContent>
 </p:sld>
 </file>
 
 <file path=ppt/slides/slide3.xml><?xml version="1.0" encoding="utf-8"?>
-<p:sld xmlns:a="http://schemas.openxmlformats.org/drawingml/2006/main" xmlns:r="http://schemas.openxmlformats.org/officeDocument/2006/relationships" xmlns:p="http://schemas.openxmlformats.org/presentationml/2006/main" xmlns:m="http://schemas.openxmlformats.org/officeDocument/2006/math" xmlns:w="http://schemas.openxmlformats.org/wordprocessingml/2006/main" xmlns:mc="http://schemas.openxmlformats.org/markup-compatibility/2006" showMasterPhAnim="0" showMasterSp="1" show="1">
-  <p:cSld name="">
+<p:sld xmlns:a="http://schemas.openxmlformats.org/drawingml/2006/main" xmlns:r="http://schemas.openxmlformats.org/officeDocument/2006/relationships" xmlns:p="http://schemas.openxmlformats.org/presentationml/2006/main" showMasterPhAnim="0">
+  <p:cSld>
     <p:spTree>
       <p:nvGrpSpPr>
         <p:cNvPr id="1" name=""/>
@@ -7005,12 +6935,12 @@
       </p:grpSpPr>
       <p:sp>
         <p:nvSpPr>
-          <p:cNvPr id="881777528" name=""/>
+          <p:cNvPr id="881777528" name="Elipse 881777527"/>
           <p:cNvSpPr/>
           <p:nvPr/>
         </p:nvSpPr>
         <p:spPr bwMode="auto">
-          <a:xfrm flipH="0" flipV="0">
+          <a:xfrm>
             <a:off x="-1243054" y="4182021"/>
             <a:ext cx="5127220" cy="4165866"/>
           </a:xfrm>
@@ -7052,12 +6982,12 @@
       </p:sp>
       <p:sp>
         <p:nvSpPr>
-          <p:cNvPr id="641527098" name=""/>
+          <p:cNvPr id="641527098" name="Elipse 641527097"/>
           <p:cNvSpPr/>
           <p:nvPr/>
         </p:nvSpPr>
         <p:spPr bwMode="auto">
-          <a:xfrm flipH="0" flipV="0">
+          <a:xfrm>
             <a:off x="7325832" y="-1062344"/>
             <a:ext cx="6387501" cy="5189844"/>
           </a:xfrm>
@@ -7099,12 +7029,12 @@
       </p:sp>
       <p:sp>
         <p:nvSpPr>
-          <p:cNvPr id="384656390" name=""/>
+          <p:cNvPr id="384656390" name="CaixaDeTexto 384656389"/>
           <p:cNvSpPr txBox="1"/>
           <p:nvPr/>
         </p:nvSpPr>
         <p:spPr bwMode="auto">
-          <a:xfrm flipH="0" flipV="0">
+          <a:xfrm>
             <a:off x="2921485" y="2980580"/>
             <a:ext cx="8727530" cy="1554840"/>
           </a:xfrm>
@@ -7114,9 +7044,10 @@
           <a:noFill/>
         </p:spPr>
         <p:txBody>
-          <a:bodyPr vertOverflow="overflow" horzOverflow="overflow" vert="horz" wrap="square" lIns="91440" tIns="45720" rIns="91440" bIns="45720" numCol="1" spcCol="0" rtlCol="0" fromWordArt="0" anchor="ctr" anchorCtr="0" forceAA="0" upright="0" compatLnSpc="0">
+          <a:bodyPr vertOverflow="overflow" horzOverflow="overflow" vert="horz" wrap="square" lIns="91440" tIns="45720" rIns="91440" bIns="45720" numCol="1" spcCol="0" rtlCol="0" fromWordArt="0" anchor="ctr" anchorCtr="0" forceAA="0" compatLnSpc="0">
             <a:spAutoFit/>
           </a:bodyPr>
+          <a:lstStyle/>
           <a:p>
             <a:pPr>
               <a:lnSpc>
@@ -7154,18 +7085,7 @@
                 <a:ea typeface="Arial"/>
                 <a:cs typeface="Arial"/>
               </a:rPr>
-              <a:t> </a:t>
-            </a:r>
-            <a:r>
-              <a:rPr sz="1600" b="0" i="0" u="none">
-                <a:solidFill>
-                  <a:srgbClr val="000000"/>
-                </a:solidFill>
-                <a:latin typeface="Arial"/>
-                <a:ea typeface="Arial"/>
-                <a:cs typeface="Arial"/>
-              </a:rPr>
-              <a:t>Com uma interface simples, intuitiva e segura, o sistema possibilita uma gestão integrada de clientes, fornecedores, técnicos, equipamentos e tarefas, oferecendo mais organização e produtividade para a empresa."</a:t>
+              <a:t> Com uma interface simples, intuitiva e segura, o sistema possibilita uma gestão integrada de clientes, fornecedores, técnicos, equipamentos e tarefas, oferecendo mais organização e produtividade para a empresa."</a:t>
             </a:r>
             <a:endParaRPr sz="1600">
               <a:latin typeface="Arial"/>
@@ -7176,7 +7096,7 @@
       </p:sp>
       <p:pic>
         <p:nvPicPr>
-          <p:cNvPr id="1043630348" name=""/>
+          <p:cNvPr id="1043630348" name="Imagem 1043630347"/>
           <p:cNvPicPr>
             <a:picLocks noChangeAspect="1"/>
           </p:cNvPicPr>
@@ -7201,20 +7121,12 @@
   <p:clrMapOvr>
     <a:masterClrMapping/>
   </p:clrMapOvr>
-  <mc:AlternateContent xmlns:mc="http://schemas.openxmlformats.org/markup-compatibility/2006">
-    <mc:Choice xmlns:p159="http://schemas.microsoft.com/office/powerpoint/2015/09/main" xmlns:p14="http://schemas.microsoft.com/office/powerpoint/2010/main" Requires="p159">
-      <p:transition p14:dur="2000" advClick="1"/>
-    </mc:Choice>
-    <mc:Fallback>
-      <p:transition advClick="1"/>
-    </mc:Fallback>
-  </mc:AlternateContent>
 </p:sld>
 </file>
 
 <file path=ppt/slides/slide4.xml><?xml version="1.0" encoding="utf-8"?>
-<p:sld xmlns:a="http://schemas.openxmlformats.org/drawingml/2006/main" xmlns:r="http://schemas.openxmlformats.org/officeDocument/2006/relationships" xmlns:p="http://schemas.openxmlformats.org/presentationml/2006/main" xmlns:m="http://schemas.openxmlformats.org/officeDocument/2006/math" xmlns:w="http://schemas.openxmlformats.org/wordprocessingml/2006/main" xmlns:mc="http://schemas.openxmlformats.org/markup-compatibility/2006" showMasterPhAnim="0" showMasterSp="1" show="1">
-  <p:cSld name="">
+<p:sld xmlns:a="http://schemas.openxmlformats.org/drawingml/2006/main" xmlns:r="http://schemas.openxmlformats.org/officeDocument/2006/relationships" xmlns:p="http://schemas.openxmlformats.org/presentationml/2006/main" showMasterPhAnim="0">
+  <p:cSld>
     <p:spTree>
       <p:nvGrpSpPr>
         <p:cNvPr id="1" name=""/>
@@ -7231,12 +7143,12 @@
       </p:grpSpPr>
       <p:sp>
         <p:nvSpPr>
-          <p:cNvPr id="1638305021" name=""/>
+          <p:cNvPr id="1638305021" name="Elipse 1638305020"/>
           <p:cNvSpPr/>
           <p:nvPr/>
         </p:nvSpPr>
         <p:spPr bwMode="auto">
-          <a:xfrm flipH="0" flipV="0">
+          <a:xfrm>
             <a:off x="-1243054" y="4182021"/>
             <a:ext cx="5127220" cy="4165866"/>
           </a:xfrm>
@@ -7278,12 +7190,12 @@
       </p:sp>
       <p:sp>
         <p:nvSpPr>
-          <p:cNvPr id="1766964726" name=""/>
+          <p:cNvPr id="1766964726" name="Elipse 1766964725"/>
           <p:cNvSpPr/>
           <p:nvPr/>
         </p:nvSpPr>
         <p:spPr bwMode="auto">
-          <a:xfrm flipH="0" flipV="0">
+          <a:xfrm>
             <a:off x="7325832" y="-1062344"/>
             <a:ext cx="6387501" cy="5189844"/>
           </a:xfrm>
@@ -7325,12 +7237,12 @@
       </p:sp>
       <p:sp>
         <p:nvSpPr>
-          <p:cNvPr id="967836479" name=""/>
+          <p:cNvPr id="967836479" name="CaixaDeTexto 967836478"/>
           <p:cNvSpPr txBox="1"/>
           <p:nvPr/>
         </p:nvSpPr>
         <p:spPr bwMode="auto">
-          <a:xfrm flipH="0" flipV="0">
+          <a:xfrm>
             <a:off x="2677657" y="2362801"/>
             <a:ext cx="7852726" cy="3383639"/>
           </a:xfrm>
@@ -7340,9 +7252,10 @@
           <a:noFill/>
         </p:spPr>
         <p:txBody>
-          <a:bodyPr vertOverflow="overflow" horzOverflow="overflow" vert="horz" wrap="square" lIns="91440" tIns="45720" rIns="91440" bIns="45720" numCol="1" spcCol="0" rtlCol="0" fromWordArt="0" anchor="ctr" anchorCtr="0" forceAA="0" upright="0" compatLnSpc="0">
+          <a:bodyPr vertOverflow="overflow" horzOverflow="overflow" vert="horz" wrap="square" lIns="91440" tIns="45720" rIns="91440" bIns="45720" numCol="1" spcCol="0" rtlCol="0" fromWordArt="0" anchor="ctr" anchorCtr="0" forceAA="0" compatLnSpc="0">
             <a:spAutoFit/>
           </a:bodyPr>
+          <a:lstStyle/>
           <a:p>
             <a:pPr>
               <a:lnSpc>
@@ -7365,10 +7278,6 @@
               </a:rPr>
               <a:t>:</a:t>
             </a:r>
-            <a:endParaRPr sz="1600" b="1">
-              <a:latin typeface="Arial"/>
-              <a:cs typeface="Arial"/>
-            </a:endParaRPr>
           </a:p>
           <a:p>
             <a:pPr marL="261850" indent="-261850">
@@ -7555,33 +7464,14 @@
                 <a:ea typeface="Arial"/>
                 <a:cs typeface="Arial"/>
               </a:rPr>
-              <a:t> – Estilização e design </a:t>
-            </a:r>
-            <a:r>
-              <a:rPr lang="pt-BR" sz="1600" b="0" i="0" u="none" strike="noStrike" cap="none" spc="0">
-                <a:solidFill>
-                  <a:schemeClr val="tx1"/>
-                </a:solidFill>
-                <a:latin typeface="Arial"/>
-                <a:ea typeface="Arial"/>
-                <a:cs typeface="Arial"/>
-              </a:rPr>
-              <a:t>para melhor usabilidade.</a:t>
-            </a:r>
-            <a:endParaRPr lang="pt-BR" sz="1600" b="0" i="0" u="none" strike="noStrike" cap="none" spc="0">
-              <a:solidFill>
-                <a:schemeClr val="tx1"/>
-              </a:solidFill>
-              <a:latin typeface="Arial"/>
-              <a:ea typeface="Arial"/>
-              <a:cs typeface="Arial"/>
-            </a:endParaRPr>
+              <a:t> – Estilização e design para melhor usabilidade.</a:t>
+            </a:r>
           </a:p>
         </p:txBody>
       </p:sp>
       <p:pic>
         <p:nvPicPr>
-          <p:cNvPr id="499708454" name=""/>
+          <p:cNvPr id="499708454" name="Imagem 499708453"/>
           <p:cNvPicPr>
             <a:picLocks noChangeAspect="1"/>
           </p:cNvPicPr>
@@ -7606,20 +7496,12 @@
   <p:clrMapOvr>
     <a:masterClrMapping/>
   </p:clrMapOvr>
-  <mc:AlternateContent xmlns:mc="http://schemas.openxmlformats.org/markup-compatibility/2006">
-    <mc:Choice xmlns:p159="http://schemas.microsoft.com/office/powerpoint/2015/09/main" xmlns:p14="http://schemas.microsoft.com/office/powerpoint/2010/main" Requires="p159">
-      <p:transition p14:dur="2000" advClick="1"/>
-    </mc:Choice>
-    <mc:Fallback>
-      <p:transition advClick="1"/>
-    </mc:Fallback>
-  </mc:AlternateContent>
 </p:sld>
 </file>
 
 <file path=ppt/slides/slide5.xml><?xml version="1.0" encoding="utf-8"?>
-<p:sld xmlns:a="http://schemas.openxmlformats.org/drawingml/2006/main" xmlns:r="http://schemas.openxmlformats.org/officeDocument/2006/relationships" xmlns:p="http://schemas.openxmlformats.org/presentationml/2006/main" xmlns:m="http://schemas.openxmlformats.org/officeDocument/2006/math" xmlns:w="http://schemas.openxmlformats.org/wordprocessingml/2006/main" xmlns:mc="http://schemas.openxmlformats.org/markup-compatibility/2006" showMasterPhAnim="0" showMasterSp="1" show="1">
-  <p:cSld name="">
+<p:sld xmlns:a="http://schemas.openxmlformats.org/drawingml/2006/main" xmlns:r="http://schemas.openxmlformats.org/officeDocument/2006/relationships" xmlns:p="http://schemas.openxmlformats.org/presentationml/2006/main" showMasterPhAnim="0">
+  <p:cSld>
     <p:spTree>
       <p:nvGrpSpPr>
         <p:cNvPr id="1" name=""/>
@@ -7636,12 +7518,12 @@
       </p:grpSpPr>
       <p:sp>
         <p:nvSpPr>
-          <p:cNvPr id="2068407125" name=""/>
+          <p:cNvPr id="2068407125" name="Elipse 2068407124"/>
           <p:cNvSpPr/>
           <p:nvPr/>
         </p:nvSpPr>
         <p:spPr bwMode="auto">
-          <a:xfrm flipH="0" flipV="0">
+          <a:xfrm>
             <a:off x="-1243054" y="4182021"/>
             <a:ext cx="5127220" cy="4165866"/>
           </a:xfrm>
@@ -7683,12 +7565,12 @@
       </p:sp>
       <p:sp>
         <p:nvSpPr>
-          <p:cNvPr id="752650442" name=""/>
+          <p:cNvPr id="752650442" name="Elipse 752650441"/>
           <p:cNvSpPr/>
           <p:nvPr/>
         </p:nvSpPr>
         <p:spPr bwMode="auto">
-          <a:xfrm flipH="0" flipV="0">
+          <a:xfrm>
             <a:off x="7325832" y="-1062344"/>
             <a:ext cx="6387501" cy="5189844"/>
           </a:xfrm>
@@ -7730,12 +7612,12 @@
       </p:sp>
       <p:sp>
         <p:nvSpPr>
-          <p:cNvPr id="1222169219" name=""/>
+          <p:cNvPr id="1222169219" name="CaixaDeTexto 1222169218"/>
           <p:cNvSpPr txBox="1"/>
           <p:nvPr/>
         </p:nvSpPr>
         <p:spPr bwMode="auto">
-          <a:xfrm flipH="0" flipV="0">
+          <a:xfrm>
             <a:off x="2677657" y="3772801"/>
             <a:ext cx="7868566" cy="579479"/>
           </a:xfrm>
@@ -7745,9 +7627,10 @@
           <a:noFill/>
         </p:spPr>
         <p:txBody>
-          <a:bodyPr vertOverflow="overflow" horzOverflow="overflow" vert="horz" wrap="square" lIns="91440" tIns="45720" rIns="91440" bIns="45720" numCol="1" spcCol="0" rtlCol="0" fromWordArt="0" anchor="ctr" anchorCtr="0" forceAA="0" upright="0" compatLnSpc="0">
+          <a:bodyPr vertOverflow="overflow" horzOverflow="overflow" vert="horz" wrap="square" lIns="91440" tIns="45720" rIns="91440" bIns="45720" numCol="1" spcCol="0" rtlCol="0" fromWordArt="0" anchor="ctr" anchorCtr="0" forceAA="0" compatLnSpc="0">
             <a:spAutoFit/>
           </a:bodyPr>
+          <a:lstStyle/>
           <a:p>
             <a:pPr>
               <a:defRPr/>
@@ -7772,18 +7655,7 @@
                 <a:ea typeface="Arial"/>
                 <a:cs typeface="Arial"/>
               </a:rPr>
-              <a:t> - </a:t>
-            </a:r>
-            <a:r>
-              <a:rPr lang="pt-BR" sz="1600" b="0" i="0" u="none" strike="noStrike" cap="none" spc="0">
-                <a:solidFill>
-                  <a:srgbClr val="000000"/>
-                </a:solidFill>
-                <a:latin typeface="Arial"/>
-                <a:ea typeface="Arial"/>
-                <a:cs typeface="Arial"/>
-              </a:rPr>
-              <a:t>Facilitar o gerenciamento de clientes, fornecedores, técnicos e equipamentos em um só lugar, com segurança e praticidade.</a:t>
+              <a:t> - Facilitar o gerenciamento de clientes, fornecedores, técnicos e equipamentos em um só lugar, com segurança e praticidade.</a:t>
             </a:r>
             <a:endParaRPr lang="pt-BR" sz="1600" b="0" i="0" u="none" strike="noStrike" cap="none" spc="0">
               <a:solidFill>
@@ -7797,7 +7669,7 @@
       </p:sp>
       <p:pic>
         <p:nvPicPr>
-          <p:cNvPr id="553165025" name=""/>
+          <p:cNvPr id="553165025" name="Imagem 553165024"/>
           <p:cNvPicPr>
             <a:picLocks noChangeAspect="1"/>
           </p:cNvPicPr>
@@ -7822,20 +7694,12 @@
   <p:clrMapOvr>
     <a:masterClrMapping/>
   </p:clrMapOvr>
-  <mc:AlternateContent xmlns:mc="http://schemas.openxmlformats.org/markup-compatibility/2006">
-    <mc:Choice xmlns:p159="http://schemas.microsoft.com/office/powerpoint/2015/09/main" xmlns:p14="http://schemas.microsoft.com/office/powerpoint/2010/main" Requires="p159">
-      <p:transition p14:dur="2000" advClick="1"/>
-    </mc:Choice>
-    <mc:Fallback>
-      <p:transition advClick="1"/>
-    </mc:Fallback>
-  </mc:AlternateContent>
 </p:sld>
 </file>
 
 <file path=ppt/slides/slide6.xml><?xml version="1.0" encoding="utf-8"?>
-<p:sld xmlns:a="http://schemas.openxmlformats.org/drawingml/2006/main" xmlns:r="http://schemas.openxmlformats.org/officeDocument/2006/relationships" xmlns:p="http://schemas.openxmlformats.org/presentationml/2006/main" xmlns:m="http://schemas.openxmlformats.org/officeDocument/2006/math" xmlns:w="http://schemas.openxmlformats.org/wordprocessingml/2006/main" xmlns:mc="http://schemas.openxmlformats.org/markup-compatibility/2006" showMasterPhAnim="0" showMasterSp="1" show="1">
-  <p:cSld name="">
+<p:sld xmlns:a="http://schemas.openxmlformats.org/drawingml/2006/main" xmlns:r="http://schemas.openxmlformats.org/officeDocument/2006/relationships" xmlns:p="http://schemas.openxmlformats.org/presentationml/2006/main" showMasterPhAnim="0">
+  <p:cSld>
     <p:spTree>
       <p:nvGrpSpPr>
         <p:cNvPr id="1" name=""/>
@@ -7861,7 +7725,7 @@
           </p:nvPr>
         </p:nvSpPr>
         <p:spPr bwMode="auto">
-          <a:xfrm flipH="0" flipV="0">
+          <a:xfrm>
             <a:off x="19441" y="0"/>
             <a:ext cx="5699169" cy="6854848"/>
           </a:xfrm>
@@ -7890,7 +7754,7 @@
           </p:nvPr>
         </p:nvSpPr>
         <p:spPr bwMode="auto">
-          <a:xfrm flipH="0" flipV="0">
+          <a:xfrm>
             <a:off x="5718610" y="0"/>
             <a:ext cx="6455833" cy="6854848"/>
           </a:xfrm>
@@ -7916,12 +7780,12 @@
       </p:sp>
       <p:sp>
         <p:nvSpPr>
-          <p:cNvPr id="180940403" name=""/>
+          <p:cNvPr id="180940403" name="CaixaDeTexto 180940402"/>
           <p:cNvSpPr txBox="1"/>
           <p:nvPr/>
         </p:nvSpPr>
         <p:spPr bwMode="auto">
-          <a:xfrm flipH="0" flipV="0">
+          <a:xfrm>
             <a:off x="130412" y="952499"/>
             <a:ext cx="5429405" cy="1189079"/>
           </a:xfrm>
@@ -7931,9 +7795,10 @@
           <a:noFill/>
         </p:spPr>
         <p:txBody>
-          <a:bodyPr vertOverflow="overflow" horzOverflow="overflow" vert="horz" wrap="square" lIns="91440" tIns="45720" rIns="91440" bIns="45720" numCol="1" spcCol="0" rtlCol="0" fromWordArt="0" anchor="t" anchorCtr="0" forceAA="0" upright="0" compatLnSpc="0">
+          <a:bodyPr vertOverflow="overflow" horzOverflow="overflow" vert="horz" wrap="square" lIns="91440" tIns="45720" rIns="91440" bIns="45720" numCol="1" spcCol="0" rtlCol="0" fromWordArt="0" anchor="t" anchorCtr="0" forceAA="0" compatLnSpc="0">
             <a:spAutoFit/>
           </a:bodyPr>
+          <a:lstStyle/>
           <a:p>
             <a:pPr>
               <a:defRPr/>
@@ -7952,12 +7817,12 @@
       </p:sp>
       <p:sp>
         <p:nvSpPr>
-          <p:cNvPr id="1794483828" name=""/>
+          <p:cNvPr id="1794483828" name="CaixaDeTexto 1794483827"/>
           <p:cNvSpPr txBox="1"/>
           <p:nvPr/>
         </p:nvSpPr>
         <p:spPr bwMode="auto">
-          <a:xfrm flipH="0" flipV="0">
+          <a:xfrm>
             <a:off x="236431" y="2417912"/>
             <a:ext cx="5433725" cy="1920599"/>
           </a:xfrm>
@@ -7967,9 +7832,10 @@
           <a:noFill/>
         </p:spPr>
         <p:txBody>
-          <a:bodyPr vertOverflow="overflow" horzOverflow="overflow" vert="horz" wrap="square" lIns="91440" tIns="45720" rIns="91440" bIns="45720" numCol="1" spcCol="0" rtlCol="0" fromWordArt="0" anchor="t" anchorCtr="0" forceAA="0" upright="0" compatLnSpc="0">
+          <a:bodyPr vertOverflow="overflow" horzOverflow="overflow" vert="horz" wrap="square" lIns="91440" tIns="45720" rIns="91440" bIns="45720" numCol="1" spcCol="0" rtlCol="0" fromWordArt="0" anchor="t" anchorCtr="0" forceAA="0" compatLnSpc="0">
             <a:spAutoFit/>
           </a:bodyPr>
+          <a:lstStyle/>
           <a:p>
             <a:pPr algn="l">
               <a:lnSpc>
@@ -7986,29 +7852,7 @@
                 <a:ea typeface="Arial"/>
                 <a:cs typeface="Arial"/>
               </a:rPr>
-              <a:t>O sistema de gestão de estoque oferece uma plataforma completa e integrada para controle de recursos. </a:t>
-            </a:r>
-            <a:r>
-              <a:rPr lang="pt-BR" sz="1600" b="0" i="0" u="none" strike="noStrike" cap="none" spc="0">
-                <a:solidFill>
-                  <a:schemeClr val="tx1"/>
-                </a:solidFill>
-                <a:latin typeface="Arial"/>
-                <a:ea typeface="Arial"/>
-                <a:cs typeface="Arial"/>
-              </a:rPr>
-              <a:t>Com interface minimalista e navegação intuitiva, permite cadastro e gerenciamento centralizado de todas </a:t>
-            </a:r>
-            <a:r>
-              <a:rPr lang="pt-BR" sz="1600" b="0" i="0" u="none" strike="noStrike" cap="none" spc="0">
-                <a:solidFill>
-                  <a:schemeClr val="tx1"/>
-                </a:solidFill>
-                <a:latin typeface="Arial"/>
-                <a:ea typeface="Arial"/>
-                <a:cs typeface="Arial"/>
-              </a:rPr>
-              <a:t>as operações.</a:t>
+              <a:t>O sistema de gestão de estoque oferece uma plataforma completa e integrada para controle de recursos. Com interface minimalista e navegação intuitiva, permite cadastro e gerenciamento centralizado de todas as operações.</a:t>
             </a:r>
             <a:endParaRPr sz="1800" b="0" i="0" u="none" strike="noStrike" cap="none" spc="0">
               <a:solidFill>
@@ -8022,12 +7866,12 @@
       </p:sp>
       <p:sp>
         <p:nvSpPr>
-          <p:cNvPr id="644293264" name=""/>
+          <p:cNvPr id="644293264" name="CaixaDeTexto 644293263"/>
           <p:cNvSpPr txBox="1"/>
           <p:nvPr/>
         </p:nvSpPr>
         <p:spPr bwMode="auto">
-          <a:xfrm flipH="0" flipV="0">
+          <a:xfrm>
             <a:off x="236430" y="4271722"/>
             <a:ext cx="5435884" cy="2286360"/>
           </a:xfrm>
@@ -8037,9 +7881,10 @@
           <a:noFill/>
         </p:spPr>
         <p:txBody>
-          <a:bodyPr vertOverflow="overflow" horzOverflow="overflow" vert="horz" wrap="square" lIns="91440" tIns="45720" rIns="91440" bIns="45720" numCol="1" spcCol="0" rtlCol="0" fromWordArt="0" anchor="t" anchorCtr="0" forceAA="0" upright="0" compatLnSpc="0">
+          <a:bodyPr vertOverflow="overflow" horzOverflow="overflow" vert="horz" wrap="square" lIns="91440" tIns="45720" rIns="91440" bIns="45720" numCol="1" spcCol="0" rtlCol="0" fromWordArt="0" anchor="t" anchorCtr="0" forceAA="0" compatLnSpc="0">
             <a:spAutoFit/>
           </a:bodyPr>
+          <a:lstStyle/>
           <a:p>
             <a:pPr>
               <a:lnSpc>
@@ -8058,14 +7903,6 @@
               </a:rPr>
               <a:t>Características principais:</a:t>
             </a:r>
-            <a:endParaRPr lang="pt-BR" sz="1600" b="0" i="0" u="none" strike="noStrike" cap="none" spc="0">
-              <a:solidFill>
-                <a:schemeClr val="tx1"/>
-              </a:solidFill>
-              <a:latin typeface="Arial"/>
-              <a:ea typeface="Arial"/>
-              <a:cs typeface="Arial"/>
-            </a:endParaRPr>
           </a:p>
           <a:p>
             <a:pPr marL="261850" indent="-261850">
@@ -8216,12 +8053,12 @@
       </p:sp>
       <p:sp>
         <p:nvSpPr>
-          <p:cNvPr id="2129248713" name=""/>
+          <p:cNvPr id="2129248713" name="CaixaDeTexto 2129248712"/>
           <p:cNvSpPr txBox="1"/>
           <p:nvPr/>
         </p:nvSpPr>
         <p:spPr bwMode="auto">
-          <a:xfrm flipH="0" flipV="0">
+          <a:xfrm>
             <a:off x="6077638" y="1156207"/>
             <a:ext cx="5447405" cy="640440"/>
           </a:xfrm>
@@ -8231,9 +8068,10 @@
           <a:noFill/>
         </p:spPr>
         <p:txBody>
-          <a:bodyPr vertOverflow="overflow" horzOverflow="overflow" vert="horz" wrap="square" lIns="91440" tIns="45720" rIns="91440" bIns="45720" numCol="1" spcCol="0" rtlCol="0" fromWordArt="0" anchor="t" anchorCtr="0" forceAA="0" upright="0" compatLnSpc="0">
+          <a:bodyPr vertOverflow="overflow" horzOverflow="overflow" vert="horz" wrap="square" lIns="91440" tIns="45720" rIns="91440" bIns="45720" numCol="1" spcCol="0" rtlCol="0" fromWordArt="0" anchor="t" anchorCtr="0" forceAA="0" compatLnSpc="0">
             <a:spAutoFit/>
           </a:bodyPr>
+          <a:lstStyle/>
           <a:p>
             <a:pPr>
               <a:defRPr/>
@@ -8252,12 +8090,12 @@
       </p:sp>
       <p:sp>
         <p:nvSpPr>
-          <p:cNvPr id="728668719" name=""/>
+          <p:cNvPr id="728668719" name="CaixaDeTexto 728668718"/>
           <p:cNvSpPr txBox="1"/>
           <p:nvPr/>
         </p:nvSpPr>
         <p:spPr bwMode="auto">
-          <a:xfrm flipH="0" flipV="0">
+          <a:xfrm>
             <a:off x="6222103" y="2891230"/>
             <a:ext cx="5434805" cy="2286359"/>
           </a:xfrm>
@@ -8267,9 +8105,10 @@
           <a:noFill/>
         </p:spPr>
         <p:txBody>
-          <a:bodyPr vertOverflow="overflow" horzOverflow="overflow" vert="horz" wrap="square" lIns="91440" tIns="45720" rIns="91440" bIns="45720" numCol="1" spcCol="0" rtlCol="0" fromWordArt="0" anchor="t" anchorCtr="0" forceAA="0" upright="0" compatLnSpc="0">
+          <a:bodyPr vertOverflow="overflow" horzOverflow="overflow" vert="horz" wrap="square" lIns="91440" tIns="45720" rIns="91440" bIns="45720" numCol="1" spcCol="0" rtlCol="0" fromWordArt="0" anchor="t" anchorCtr="0" forceAA="0" compatLnSpc="0">
             <a:spAutoFit/>
           </a:bodyPr>
+          <a:lstStyle/>
           <a:p>
             <a:pPr marL="261850" indent="-261850">
               <a:lnSpc>
@@ -8436,12 +8275,12 @@
       </p:sp>
       <p:sp>
         <p:nvSpPr>
-          <p:cNvPr id="1786984742" name=""/>
+          <p:cNvPr id="1786984742" name="CaixaDeTexto 1786984741"/>
           <p:cNvSpPr txBox="1"/>
           <p:nvPr/>
         </p:nvSpPr>
         <p:spPr bwMode="auto">
-          <a:xfrm flipH="0" flipV="0">
+          <a:xfrm>
             <a:off x="6292659" y="2493383"/>
             <a:ext cx="5448844" cy="335639"/>
           </a:xfrm>
@@ -8451,9 +8290,10 @@
           <a:noFill/>
         </p:spPr>
         <p:txBody>
-          <a:bodyPr vertOverflow="overflow" horzOverflow="overflow" vert="horz" wrap="square" lIns="91440" tIns="45720" rIns="91440" bIns="45720" numCol="1" spcCol="0" rtlCol="0" fromWordArt="0" anchor="t" anchorCtr="0" forceAA="0" upright="0" compatLnSpc="0">
+          <a:bodyPr vertOverflow="overflow" horzOverflow="overflow" vert="horz" wrap="square" lIns="91440" tIns="45720" rIns="91440" bIns="45720" numCol="1" spcCol="0" rtlCol="0" fromWordArt="0" anchor="t" anchorCtr="0" forceAA="0" compatLnSpc="0">
             <a:spAutoFit/>
           </a:bodyPr>
+          <a:lstStyle/>
           <a:p>
             <a:pPr>
               <a:defRPr/>
@@ -8481,20 +8321,12 @@
   <p:clrMapOvr>
     <a:masterClrMapping/>
   </p:clrMapOvr>
-  <mc:AlternateContent xmlns:mc="http://schemas.openxmlformats.org/markup-compatibility/2006">
-    <mc:Choice xmlns:p159="http://schemas.microsoft.com/office/powerpoint/2015/09/main" xmlns:p14="http://schemas.microsoft.com/office/powerpoint/2010/main" Requires="p159">
-      <p:transition p14:dur="2000" advClick="1"/>
-    </mc:Choice>
-    <mc:Fallback>
-      <p:transition advClick="1"/>
-    </mc:Fallback>
-  </mc:AlternateContent>
 </p:sld>
 </file>
 
 <file path=ppt/slides/slide7.xml><?xml version="1.0" encoding="utf-8"?>
-<p:sld xmlns:a="http://schemas.openxmlformats.org/drawingml/2006/main" xmlns:r="http://schemas.openxmlformats.org/officeDocument/2006/relationships" xmlns:p="http://schemas.openxmlformats.org/presentationml/2006/main" xmlns:m="http://schemas.openxmlformats.org/officeDocument/2006/math" xmlns:w="http://schemas.openxmlformats.org/wordprocessingml/2006/main" xmlns:mc="http://schemas.openxmlformats.org/markup-compatibility/2006" showMasterPhAnim="0" showMasterSp="1" show="1">
-  <p:cSld name="">
+<p:sld xmlns:a="http://schemas.openxmlformats.org/drawingml/2006/main" xmlns:r="http://schemas.openxmlformats.org/officeDocument/2006/relationships" xmlns:p="http://schemas.openxmlformats.org/presentationml/2006/main" showMasterPhAnim="0">
+  <p:cSld>
     <p:spTree>
       <p:nvGrpSpPr>
         <p:cNvPr id="1" name=""/>
@@ -8511,12 +8343,12 @@
       </p:grpSpPr>
       <p:sp>
         <p:nvSpPr>
-          <p:cNvPr id="143937123" name=""/>
+          <p:cNvPr id="143937123" name="CaixaDeTexto 143937122"/>
           <p:cNvSpPr txBox="1"/>
           <p:nvPr/>
         </p:nvSpPr>
         <p:spPr bwMode="auto">
-          <a:xfrm flipH="0" flipV="0">
+          <a:xfrm>
             <a:off x="1687091" y="797128"/>
             <a:ext cx="2444140" cy="640440"/>
           </a:xfrm>
@@ -8526,9 +8358,10 @@
           <a:noFill/>
         </p:spPr>
         <p:txBody>
-          <a:bodyPr vertOverflow="overflow" horzOverflow="overflow" vert="horz" wrap="none" lIns="91440" tIns="45720" rIns="91440" bIns="45720" numCol="1" spcCol="0" rtlCol="0" fromWordArt="0" anchor="t" anchorCtr="0" forceAA="0" upright="0" compatLnSpc="0">
+          <a:bodyPr vertOverflow="overflow" horzOverflow="overflow" vert="horz" wrap="none" lIns="91440" tIns="45720" rIns="91440" bIns="45720" numCol="1" spcCol="0" rtlCol="0" fromWordArt="0" anchor="t" anchorCtr="0" forceAA="0" compatLnSpc="0">
             <a:spAutoFit/>
           </a:bodyPr>
+          <a:lstStyle/>
           <a:p>
             <a:pPr algn="ctr">
               <a:defRPr/>
@@ -8548,36 +8381,14 @@
           </a:p>
         </p:txBody>
       </p:sp>
-      <p:pic>
-        <p:nvPicPr>
-          <p:cNvPr id="1694276898" name=""/>
-          <p:cNvPicPr>
-            <a:picLocks noChangeAspect="1"/>
-          </p:cNvPicPr>
-          <p:nvPr/>
-        </p:nvPicPr>
-        <p:blipFill>
-          <a:blip r:embed="rId3"/>
-          <a:stretch/>
-        </p:blipFill>
-        <p:spPr bwMode="auto">
-          <a:xfrm>
-            <a:off x="5952567" y="0"/>
-            <a:ext cx="6256998" cy="6857999"/>
-          </a:xfrm>
-          <a:prstGeom prst="rect">
-            <a:avLst/>
-          </a:prstGeom>
-        </p:spPr>
-      </p:pic>
-      <p:sp>
-        <p:nvSpPr>
-          <p:cNvPr id="1931098371" name=""/>
+      <p:sp>
+        <p:nvSpPr>
+          <p:cNvPr id="1931098371" name="CaixaDeTexto 1931098370"/>
           <p:cNvSpPr txBox="1"/>
           <p:nvPr/>
         </p:nvSpPr>
         <p:spPr bwMode="auto">
-          <a:xfrm flipH="0" flipV="0">
+          <a:xfrm>
             <a:off x="1127969" y="1642934"/>
             <a:ext cx="4488827" cy="1554840"/>
           </a:xfrm>
@@ -8587,9 +8398,10 @@
           <a:noFill/>
         </p:spPr>
         <p:txBody>
-          <a:bodyPr vertOverflow="overflow" horzOverflow="overflow" vert="horz" wrap="square" lIns="91440" tIns="45720" rIns="91440" bIns="45720" numCol="1" spcCol="0" rtlCol="0" fromWordArt="0" anchor="t" anchorCtr="0" forceAA="0" upright="0" compatLnSpc="0">
+          <a:bodyPr vertOverflow="overflow" horzOverflow="overflow" vert="horz" wrap="square" lIns="91440" tIns="45720" rIns="91440" bIns="45720" numCol="1" spcCol="0" rtlCol="0" fromWordArt="0" anchor="t" anchorCtr="0" forceAA="0" compatLnSpc="0">
             <a:spAutoFit/>
           </a:bodyPr>
+          <a:lstStyle/>
           <a:p>
             <a:pPr algn="l">
               <a:lnSpc>
@@ -8636,12 +8448,12 @@
       </p:sp>
       <p:sp>
         <p:nvSpPr>
-          <p:cNvPr id="2090604170" name=""/>
+          <p:cNvPr id="2090604170" name="CaixaDeTexto 2090604169"/>
           <p:cNvSpPr txBox="1"/>
           <p:nvPr/>
         </p:nvSpPr>
         <p:spPr bwMode="auto">
-          <a:xfrm flipH="0" flipV="0">
+          <a:xfrm>
             <a:off x="1127970" y="3305837"/>
             <a:ext cx="4564066" cy="2286359"/>
           </a:xfrm>
@@ -8651,9 +8463,10 @@
           <a:noFill/>
         </p:spPr>
         <p:txBody>
-          <a:bodyPr vertOverflow="overflow" horzOverflow="overflow" vert="horz" wrap="square" lIns="91440" tIns="45720" rIns="91440" bIns="45720" numCol="1" spcCol="0" rtlCol="0" fromWordArt="0" anchor="t" anchorCtr="0" forceAA="0" upright="0" compatLnSpc="0">
+          <a:bodyPr vertOverflow="overflow" horzOverflow="overflow" vert="horz" wrap="square" lIns="91440" tIns="45720" rIns="91440" bIns="45720" numCol="1" spcCol="0" rtlCol="0" fromWordArt="0" anchor="t" anchorCtr="0" forceAA="0" compatLnSpc="0">
             <a:spAutoFit/>
           </a:bodyPr>
+          <a:lstStyle/>
           <a:p>
             <a:pPr marL="261850" indent="-261850">
               <a:lnSpc>
@@ -8821,25 +8634,47 @@
           </a:p>
         </p:txBody>
       </p:sp>
+      <p:pic>
+        <p:nvPicPr>
+          <p:cNvPr id="2" name="Imagem 1">
+            <a:extLst>
+              <a:ext uri="{FF2B5EF4-FFF2-40B4-BE49-F238E27FC236}">
+                <a16:creationId xmlns:a16="http://schemas.microsoft.com/office/drawing/2014/main" id="{AB729024-9364-4747-9F63-BAE32446AD6D}"/>
+              </a:ext>
+            </a:extLst>
+          </p:cNvPr>
+          <p:cNvPicPr>
+            <a:picLocks noChangeAspect="1"/>
+          </p:cNvPicPr>
+          <p:nvPr/>
+        </p:nvPicPr>
+        <p:blipFill>
+          <a:blip r:embed="rId3"/>
+          <a:stretch>
+            <a:fillRect/>
+          </a:stretch>
+        </p:blipFill>
+        <p:spPr>
+          <a:xfrm>
+            <a:off x="8256485" y="6339"/>
+            <a:ext cx="3935515" cy="6858000"/>
+          </a:xfrm>
+          <a:prstGeom prst="rect">
+            <a:avLst/>
+          </a:prstGeom>
+        </p:spPr>
+      </p:pic>
     </p:spTree>
   </p:cSld>
   <p:clrMapOvr>
     <a:masterClrMapping/>
   </p:clrMapOvr>
-  <mc:AlternateContent xmlns:mc="http://schemas.openxmlformats.org/markup-compatibility/2006">
-    <mc:Choice xmlns:p159="http://schemas.microsoft.com/office/powerpoint/2015/09/main" xmlns:p14="http://schemas.microsoft.com/office/powerpoint/2010/main" Requires="p159">
-      <p:transition p14:dur="2000" advClick="1"/>
-    </mc:Choice>
-    <mc:Fallback>
-      <p:transition advClick="1"/>
-    </mc:Fallback>
-  </mc:AlternateContent>
 </p:sld>
 </file>
 
 <file path=ppt/slides/slide8.xml><?xml version="1.0" encoding="utf-8"?>
-<p:sld xmlns:a="http://schemas.openxmlformats.org/drawingml/2006/main" xmlns:r="http://schemas.openxmlformats.org/officeDocument/2006/relationships" xmlns:p="http://schemas.openxmlformats.org/presentationml/2006/main" xmlns:m="http://schemas.openxmlformats.org/officeDocument/2006/math" xmlns:w="http://schemas.openxmlformats.org/wordprocessingml/2006/main" xmlns:mc="http://schemas.openxmlformats.org/markup-compatibility/2006" showMasterPhAnim="0" showMasterSp="1" show="1">
-  <p:cSld name="">
+<p:sld xmlns:a="http://schemas.openxmlformats.org/drawingml/2006/main" xmlns:r="http://schemas.openxmlformats.org/officeDocument/2006/relationships" xmlns:p="http://schemas.openxmlformats.org/presentationml/2006/main" showMasterPhAnim="0">
+  <p:cSld>
     <p:spTree>
       <p:nvGrpSpPr>
         <p:cNvPr id="1" name=""/>
@@ -8856,12 +8691,12 @@
       </p:grpSpPr>
       <p:sp>
         <p:nvSpPr>
-          <p:cNvPr id="990601570" name=""/>
+          <p:cNvPr id="990601570" name="CaixaDeTexto 990601569"/>
           <p:cNvSpPr txBox="1"/>
           <p:nvPr/>
         </p:nvSpPr>
         <p:spPr bwMode="auto">
-          <a:xfrm flipH="0" flipV="0">
+          <a:xfrm>
             <a:off x="295502" y="1869321"/>
             <a:ext cx="5416148" cy="640440"/>
           </a:xfrm>
@@ -8871,9 +8706,10 @@
           <a:noFill/>
         </p:spPr>
         <p:txBody>
-          <a:bodyPr vertOverflow="overflow" horzOverflow="overflow" vert="horz" wrap="none" lIns="91440" tIns="45720" rIns="91440" bIns="45720" numCol="1" spcCol="0" rtlCol="0" fromWordArt="0" anchor="t" anchorCtr="0" forceAA="0" upright="0" compatLnSpc="0">
+          <a:bodyPr vertOverflow="overflow" horzOverflow="overflow" vert="horz" wrap="none" lIns="91440" tIns="45720" rIns="91440" bIns="45720" numCol="1" spcCol="0" rtlCol="0" fromWordArt="0" anchor="t" anchorCtr="0" forceAA="0" compatLnSpc="0">
             <a:spAutoFit/>
           </a:bodyPr>
+          <a:lstStyle/>
           <a:p>
             <a:pPr algn="ctr">
               <a:defRPr/>
@@ -8895,12 +8731,12 @@
       </p:sp>
       <p:sp>
         <p:nvSpPr>
-          <p:cNvPr id="1894067014" name=""/>
+          <p:cNvPr id="1894067014" name="CaixaDeTexto 1894067013"/>
           <p:cNvSpPr txBox="1"/>
           <p:nvPr/>
         </p:nvSpPr>
         <p:spPr bwMode="auto">
-          <a:xfrm flipH="0" flipV="0">
+          <a:xfrm>
             <a:off x="369373" y="2733887"/>
             <a:ext cx="5342277" cy="1554840"/>
           </a:xfrm>
@@ -8910,9 +8746,10 @@
           <a:noFill/>
         </p:spPr>
         <p:txBody>
-          <a:bodyPr vertOverflow="overflow" horzOverflow="overflow" vert="horz" wrap="square" lIns="91440" tIns="45720" rIns="91440" bIns="45720" numCol="1" spcCol="0" rtlCol="0" fromWordArt="0" anchor="t" anchorCtr="0" forceAA="0" upright="0" compatLnSpc="0">
+          <a:bodyPr vertOverflow="overflow" horzOverflow="overflow" vert="horz" wrap="square" lIns="91440" tIns="45720" rIns="91440" bIns="45720" numCol="1" spcCol="0" rtlCol="0" fromWordArt="0" anchor="t" anchorCtr="0" forceAA="0" compatLnSpc="0">
             <a:spAutoFit/>
           </a:bodyPr>
+          <a:lstStyle/>
           <a:p>
             <a:pPr>
               <a:lnSpc>
@@ -8929,18 +8766,7 @@
                 <a:ea typeface="Arial"/>
                 <a:cs typeface="Arial"/>
               </a:rPr>
-              <a:t>Funcionalidades incluem adição de novos clientes, edição de registros existente e exclusão </a:t>
-            </a:r>
-            <a:r>
-              <a:rPr lang="pt-BR" sz="1600" b="0" i="0" u="none" strike="noStrike" cap="none" spc="0">
-                <a:solidFill>
-                  <a:schemeClr val="tx1"/>
-                </a:solidFill>
-                <a:latin typeface="Arial"/>
-                <a:ea typeface="Arial"/>
-                <a:cs typeface="Arial"/>
-              </a:rPr>
-              <a:t>quando necessário, além de permitir o upload de logotipos ou imagens para fácil identificação.</a:t>
+              <a:t>Funcionalidades incluem adição de novos clientes, edição de registros existente e exclusão quando necessário, além de permitir o upload de logotipos ou imagens para fácil identificação.</a:t>
             </a:r>
             <a:endParaRPr lang="pt-BR" sz="1600" b="0" i="0" u="none" strike="noStrike" cap="none" spc="0">
               <a:solidFill>
@@ -8954,7 +8780,7 @@
       </p:sp>
       <p:pic>
         <p:nvPicPr>
-          <p:cNvPr id="774496661" name=""/>
+          <p:cNvPr id="774496661" name="Imagem 774496660"/>
           <p:cNvPicPr>
             <a:picLocks noChangeAspect="1"/>
           </p:cNvPicPr>
@@ -8979,20 +8805,12 @@
   <p:clrMapOvr>
     <a:masterClrMapping/>
   </p:clrMapOvr>
-  <mc:AlternateContent xmlns:mc="http://schemas.openxmlformats.org/markup-compatibility/2006">
-    <mc:Choice xmlns:p159="http://schemas.microsoft.com/office/powerpoint/2015/09/main" xmlns:p14="http://schemas.microsoft.com/office/powerpoint/2010/main" Requires="p159">
-      <p:transition p14:dur="2000" advClick="1"/>
-    </mc:Choice>
-    <mc:Fallback>
-      <p:transition advClick="1"/>
-    </mc:Fallback>
-  </mc:AlternateContent>
 </p:sld>
 </file>
 
 <file path=ppt/slides/slide9.xml><?xml version="1.0" encoding="utf-8"?>
-<p:sld xmlns:a="http://schemas.openxmlformats.org/drawingml/2006/main" xmlns:r="http://schemas.openxmlformats.org/officeDocument/2006/relationships" xmlns:p="http://schemas.openxmlformats.org/presentationml/2006/main" xmlns:m="http://schemas.openxmlformats.org/officeDocument/2006/math" xmlns:w="http://schemas.openxmlformats.org/wordprocessingml/2006/main" xmlns:mc="http://schemas.openxmlformats.org/markup-compatibility/2006" showMasterPhAnim="0" showMasterSp="1" show="1">
-  <p:cSld name="">
+<p:sld xmlns:a="http://schemas.openxmlformats.org/drawingml/2006/main" xmlns:r="http://schemas.openxmlformats.org/officeDocument/2006/relationships" xmlns:p="http://schemas.openxmlformats.org/presentationml/2006/main" showMasterPhAnim="0">
+  <p:cSld>
     <p:spTree>
       <p:nvGrpSpPr>
         <p:cNvPr id="1" name=""/>
@@ -9009,12 +8827,12 @@
       </p:grpSpPr>
       <p:sp>
         <p:nvSpPr>
-          <p:cNvPr id="1182566833" name=""/>
+          <p:cNvPr id="1182566833" name="CaixaDeTexto 1182566832"/>
           <p:cNvSpPr txBox="1"/>
           <p:nvPr/>
         </p:nvSpPr>
         <p:spPr bwMode="auto">
-          <a:xfrm flipH="0" flipV="0">
+          <a:xfrm>
             <a:off x="448749" y="2052639"/>
             <a:ext cx="6710266" cy="1189079"/>
           </a:xfrm>
@@ -9024,9 +8842,10 @@
           <a:noFill/>
         </p:spPr>
         <p:txBody>
-          <a:bodyPr vertOverflow="overflow" horzOverflow="overflow" vert="horz" wrap="square" lIns="91440" tIns="45720" rIns="91440" bIns="45720" numCol="1" spcCol="0" rtlCol="0" fromWordArt="0" anchor="t" anchorCtr="0" forceAA="0" upright="0" compatLnSpc="0">
+          <a:bodyPr vertOverflow="overflow" horzOverflow="overflow" vert="horz" wrap="square" lIns="91440" tIns="45720" rIns="91440" bIns="45720" numCol="1" spcCol="0" rtlCol="0" fromWordArt="0" anchor="t" anchorCtr="0" forceAA="0" compatLnSpc="0">
             <a:spAutoFit/>
           </a:bodyPr>
+          <a:lstStyle/>
           <a:p>
             <a:pPr algn="l">
               <a:defRPr/>
@@ -9048,12 +8867,12 @@
       </p:sp>
       <p:sp>
         <p:nvSpPr>
-          <p:cNvPr id="226674558" name=""/>
+          <p:cNvPr id="226674558" name="CaixaDeTexto 226674557"/>
           <p:cNvSpPr txBox="1"/>
           <p:nvPr/>
         </p:nvSpPr>
         <p:spPr bwMode="auto">
-          <a:xfrm flipH="0" flipV="0">
+          <a:xfrm>
             <a:off x="448748" y="3428999"/>
             <a:ext cx="5343717" cy="1554840"/>
           </a:xfrm>
@@ -9063,9 +8882,10 @@
           <a:noFill/>
         </p:spPr>
         <p:txBody>
-          <a:bodyPr vertOverflow="overflow" horzOverflow="overflow" vert="horz" wrap="square" lIns="91440" tIns="45720" rIns="91440" bIns="45720" numCol="1" spcCol="0" rtlCol="0" fromWordArt="0" anchor="t" anchorCtr="0" forceAA="0" upright="0" compatLnSpc="0">
+          <a:bodyPr vertOverflow="overflow" horzOverflow="overflow" vert="horz" wrap="square" lIns="91440" tIns="45720" rIns="91440" bIns="45720" numCol="1" spcCol="0" rtlCol="0" fromWordArt="0" anchor="t" anchorCtr="0" forceAA="0" compatLnSpc="0">
             <a:spAutoFit/>
           </a:bodyPr>
+          <a:lstStyle/>
           <a:p>
             <a:pPr>
               <a:lnSpc>
@@ -9082,29 +8902,7 @@
                 <a:ea typeface="Arial"/>
                 <a:cs typeface="Arial"/>
               </a:rPr>
-              <a:t>Recurso incluem cadastro de contatos, endereço completo, telefone, e-mail, além de </a:t>
-            </a:r>
-            <a:r>
-              <a:rPr lang="pt-BR" sz="1600" b="0" i="0" u="none" strike="noStrike" cap="none" spc="0">
-                <a:solidFill>
-                  <a:schemeClr val="tx1"/>
-                </a:solidFill>
-                <a:latin typeface="Arial"/>
-                <a:ea typeface="Arial"/>
-                <a:cs typeface="Arial"/>
-              </a:rPr>
-              <a:t>armazenamento da logo do fornecedor e opção para edição e exclusão de registro de forma simples e </a:t>
-            </a:r>
-            <a:r>
-              <a:rPr lang="pt-BR" sz="1600" b="0" i="0" u="none" strike="noStrike" cap="none" spc="0">
-                <a:solidFill>
-                  <a:schemeClr val="tx1"/>
-                </a:solidFill>
-                <a:latin typeface="Arial"/>
-                <a:ea typeface="Arial"/>
-                <a:cs typeface="Arial"/>
-              </a:rPr>
-              <a:t>intuitiva. </a:t>
+              <a:t>Recurso incluem cadastro de contatos, endereço completo, telefone, e-mail, além de armazenamento da logo do fornecedor e opção para edição e exclusão de registro de forma simples e intuitiva. </a:t>
             </a:r>
             <a:endParaRPr lang="pt-BR" sz="1600" b="0" i="0" u="none" strike="noStrike" cap="none" spc="0">
               <a:solidFill>
@@ -9118,7 +8916,7 @@
       </p:sp>
       <p:pic>
         <p:nvPicPr>
-          <p:cNvPr id="1658531646" name=""/>
+          <p:cNvPr id="1658531646" name="Imagem 1658531645"/>
           <p:cNvPicPr>
             <a:picLocks noChangeAspect="1"/>
           </p:cNvPicPr>
@@ -9143,19 +8941,11 @@
   <p:clrMapOvr>
     <a:masterClrMapping/>
   </p:clrMapOvr>
-  <mc:AlternateContent xmlns:mc="http://schemas.openxmlformats.org/markup-compatibility/2006">
-    <mc:Choice xmlns:p159="http://schemas.microsoft.com/office/powerpoint/2015/09/main" xmlns:p14="http://schemas.microsoft.com/office/powerpoint/2010/main" Requires="p159">
-      <p:transition p14:dur="2000" advClick="1"/>
-    </mc:Choice>
-    <mc:Fallback>
-      <p:transition advClick="1"/>
-    </mc:Fallback>
-  </mc:AlternateContent>
 </p:sld>
 </file>
 
 <file path=ppt/theme/theme1.xml><?xml version="1.0" encoding="utf-8"?>
-<a:theme xmlns:a="http://schemas.openxmlformats.org/drawingml/2006/main" xmlns:r="http://schemas.openxmlformats.org/officeDocument/2006/relationships" xmlns:p="http://schemas.openxmlformats.org/presentationml/2006/main" name="Office Theme">
+<a:theme xmlns:a="http://schemas.openxmlformats.org/drawingml/2006/main" name="Office Theme">
   <a:themeElements>
     <a:clrScheme name="New Office">
       <a:dk1>
@@ -9358,11 +9148,12 @@
     </a:fmtScheme>
   </a:themeElements>
   <a:objectDefaults/>
+  <a:extraClrSchemeLst/>
 </a:theme>
 </file>
 
 <file path=ppt/theme/theme2.xml><?xml version="1.0" encoding="utf-8"?>
-<a:theme xmlns:a="http://schemas.openxmlformats.org/drawingml/2006/main" xmlns:r="http://schemas.openxmlformats.org/officeDocument/2006/relationships" xmlns:p="http://schemas.openxmlformats.org/presentationml/2006/main" name="Office Theme">
+<a:theme xmlns:a="http://schemas.openxmlformats.org/drawingml/2006/main" name="Office Theme">
   <a:themeElements>
     <a:clrScheme name="Office">
       <a:dk1>
@@ -9565,5 +9356,6 @@
     </a:fmtScheme>
   </a:themeElements>
   <a:objectDefaults/>
+  <a:extraClrSchemeLst/>
 </a:theme>
 </file>